--- a/禱告的大軍.pptx
+++ b/禱告的大軍.pptx
@@ -293,7 +293,8 @@
           <a:p>
             <a:fld id="{0D8F5F08-8D8A-4CD5-BB11-CC28F1791CBD}" type="datetimeFigureOut">
               <a:rPr lang="zh-TW" altLang="en-US" smtClean="0"/>
-              <a:t>2017/7/4</a:t>
+              <a:pPr/>
+              <a:t>2020/3/31</a:t>
             </a:fld>
             <a:endParaRPr lang="zh-TW" altLang="en-US"/>
           </a:p>
@@ -335,6 +336,7 @@
           <a:p>
             <a:fld id="{3DA91A8E-836A-49B8-92A3-64C7660EC198}" type="slidenum">
               <a:rPr lang="zh-TW" altLang="en-US" smtClean="0"/>
+              <a:pPr/>
               <a:t>‹#›</a:t>
             </a:fld>
             <a:endParaRPr lang="zh-TW" altLang="en-US"/>
@@ -458,7 +460,8 @@
           <a:p>
             <a:fld id="{0D8F5F08-8D8A-4CD5-BB11-CC28F1791CBD}" type="datetimeFigureOut">
               <a:rPr lang="zh-TW" altLang="en-US" smtClean="0"/>
-              <a:t>2017/7/4</a:t>
+              <a:pPr/>
+              <a:t>2020/3/31</a:t>
             </a:fld>
             <a:endParaRPr lang="zh-TW" altLang="en-US"/>
           </a:p>
@@ -500,6 +503,7 @@
           <a:p>
             <a:fld id="{3DA91A8E-836A-49B8-92A3-64C7660EC198}" type="slidenum">
               <a:rPr lang="zh-TW" altLang="en-US" smtClean="0"/>
+              <a:pPr/>
               <a:t>‹#›</a:t>
             </a:fld>
             <a:endParaRPr lang="zh-TW" altLang="en-US"/>
@@ -633,7 +637,8 @@
           <a:p>
             <a:fld id="{0D8F5F08-8D8A-4CD5-BB11-CC28F1791CBD}" type="datetimeFigureOut">
               <a:rPr lang="zh-TW" altLang="en-US" smtClean="0"/>
-              <a:t>2017/7/4</a:t>
+              <a:pPr/>
+              <a:t>2020/3/31</a:t>
             </a:fld>
             <a:endParaRPr lang="zh-TW" altLang="en-US"/>
           </a:p>
@@ -675,6 +680,7 @@
           <a:p>
             <a:fld id="{3DA91A8E-836A-49B8-92A3-64C7660EC198}" type="slidenum">
               <a:rPr lang="zh-TW" altLang="en-US" smtClean="0"/>
+              <a:pPr/>
               <a:t>‹#›</a:t>
             </a:fld>
             <a:endParaRPr lang="zh-TW" altLang="en-US"/>
@@ -798,7 +804,8 @@
           <a:p>
             <a:fld id="{0D8F5F08-8D8A-4CD5-BB11-CC28F1791CBD}" type="datetimeFigureOut">
               <a:rPr lang="zh-TW" altLang="en-US" smtClean="0"/>
-              <a:t>2017/7/4</a:t>
+              <a:pPr/>
+              <a:t>2020/3/31</a:t>
             </a:fld>
             <a:endParaRPr lang="zh-TW" altLang="en-US"/>
           </a:p>
@@ -840,6 +847,7 @@
           <a:p>
             <a:fld id="{3DA91A8E-836A-49B8-92A3-64C7660EC198}" type="slidenum">
               <a:rPr lang="zh-TW" altLang="en-US" smtClean="0"/>
+              <a:pPr/>
               <a:t>‹#›</a:t>
             </a:fld>
             <a:endParaRPr lang="zh-TW" altLang="en-US"/>
@@ -1039,7 +1047,8 @@
           <a:p>
             <a:fld id="{0D8F5F08-8D8A-4CD5-BB11-CC28F1791CBD}" type="datetimeFigureOut">
               <a:rPr lang="zh-TW" altLang="en-US" smtClean="0"/>
-              <a:t>2017/7/4</a:t>
+              <a:pPr/>
+              <a:t>2020/3/31</a:t>
             </a:fld>
             <a:endParaRPr lang="zh-TW" altLang="en-US"/>
           </a:p>
@@ -1081,6 +1090,7 @@
           <a:p>
             <a:fld id="{3DA91A8E-836A-49B8-92A3-64C7660EC198}" type="slidenum">
               <a:rPr lang="zh-TW" altLang="en-US" smtClean="0"/>
+              <a:pPr/>
               <a:t>‹#›</a:t>
             </a:fld>
             <a:endParaRPr lang="zh-TW" altLang="en-US"/>
@@ -1322,7 +1332,8 @@
           <a:p>
             <a:fld id="{0D8F5F08-8D8A-4CD5-BB11-CC28F1791CBD}" type="datetimeFigureOut">
               <a:rPr lang="zh-TW" altLang="en-US" smtClean="0"/>
-              <a:t>2017/7/4</a:t>
+              <a:pPr/>
+              <a:t>2020/3/31</a:t>
             </a:fld>
             <a:endParaRPr lang="zh-TW" altLang="en-US"/>
           </a:p>
@@ -1364,6 +1375,7 @@
           <a:p>
             <a:fld id="{3DA91A8E-836A-49B8-92A3-64C7660EC198}" type="slidenum">
               <a:rPr lang="zh-TW" altLang="en-US" smtClean="0"/>
+              <a:pPr/>
               <a:t>‹#›</a:t>
             </a:fld>
             <a:endParaRPr lang="zh-TW" altLang="en-US"/>
@@ -1739,7 +1751,8 @@
           <a:p>
             <a:fld id="{0D8F5F08-8D8A-4CD5-BB11-CC28F1791CBD}" type="datetimeFigureOut">
               <a:rPr lang="zh-TW" altLang="en-US" smtClean="0"/>
-              <a:t>2017/7/4</a:t>
+              <a:pPr/>
+              <a:t>2020/3/31</a:t>
             </a:fld>
             <a:endParaRPr lang="zh-TW" altLang="en-US"/>
           </a:p>
@@ -1781,6 +1794,7 @@
           <a:p>
             <a:fld id="{3DA91A8E-836A-49B8-92A3-64C7660EC198}" type="slidenum">
               <a:rPr lang="zh-TW" altLang="en-US" smtClean="0"/>
+              <a:pPr/>
               <a:t>‹#›</a:t>
             </a:fld>
             <a:endParaRPr lang="zh-TW" altLang="en-US"/>
@@ -1852,7 +1866,8 @@
           <a:p>
             <a:fld id="{0D8F5F08-8D8A-4CD5-BB11-CC28F1791CBD}" type="datetimeFigureOut">
               <a:rPr lang="zh-TW" altLang="en-US" smtClean="0"/>
-              <a:t>2017/7/4</a:t>
+              <a:pPr/>
+              <a:t>2020/3/31</a:t>
             </a:fld>
             <a:endParaRPr lang="zh-TW" altLang="en-US"/>
           </a:p>
@@ -1894,6 +1909,7 @@
           <a:p>
             <a:fld id="{3DA91A8E-836A-49B8-92A3-64C7660EC198}" type="slidenum">
               <a:rPr lang="zh-TW" altLang="en-US" smtClean="0"/>
+              <a:pPr/>
               <a:t>‹#›</a:t>
             </a:fld>
             <a:endParaRPr lang="zh-TW" altLang="en-US"/>
@@ -1942,7 +1958,8 @@
           <a:p>
             <a:fld id="{0D8F5F08-8D8A-4CD5-BB11-CC28F1791CBD}" type="datetimeFigureOut">
               <a:rPr lang="zh-TW" altLang="en-US" smtClean="0"/>
-              <a:t>2017/7/4</a:t>
+              <a:pPr/>
+              <a:t>2020/3/31</a:t>
             </a:fld>
             <a:endParaRPr lang="zh-TW" altLang="en-US"/>
           </a:p>
@@ -1984,6 +2001,7 @@
           <a:p>
             <a:fld id="{3DA91A8E-836A-49B8-92A3-64C7660EC198}" type="slidenum">
               <a:rPr lang="zh-TW" altLang="en-US" smtClean="0"/>
+              <a:pPr/>
               <a:t>‹#›</a:t>
             </a:fld>
             <a:endParaRPr lang="zh-TW" altLang="en-US"/>
@@ -2214,7 +2232,8 @@
           <a:p>
             <a:fld id="{0D8F5F08-8D8A-4CD5-BB11-CC28F1791CBD}" type="datetimeFigureOut">
               <a:rPr lang="zh-TW" altLang="en-US" smtClean="0"/>
-              <a:t>2017/7/4</a:t>
+              <a:pPr/>
+              <a:t>2020/3/31</a:t>
             </a:fld>
             <a:endParaRPr lang="zh-TW" altLang="en-US"/>
           </a:p>
@@ -2256,6 +2275,7 @@
           <a:p>
             <a:fld id="{3DA91A8E-836A-49B8-92A3-64C7660EC198}" type="slidenum">
               <a:rPr lang="zh-TW" altLang="en-US" smtClean="0"/>
+              <a:pPr/>
               <a:t>‹#›</a:t>
             </a:fld>
             <a:endParaRPr lang="zh-TW" altLang="en-US"/>
@@ -2466,7 +2486,8 @@
           <a:p>
             <a:fld id="{0D8F5F08-8D8A-4CD5-BB11-CC28F1791CBD}" type="datetimeFigureOut">
               <a:rPr lang="zh-TW" altLang="en-US" smtClean="0"/>
-              <a:t>2017/7/4</a:t>
+              <a:pPr/>
+              <a:t>2020/3/31</a:t>
             </a:fld>
             <a:endParaRPr lang="zh-TW" altLang="en-US"/>
           </a:p>
@@ -2508,6 +2529,7 @@
           <a:p>
             <a:fld id="{3DA91A8E-836A-49B8-92A3-64C7660EC198}" type="slidenum">
               <a:rPr lang="zh-TW" altLang="en-US" smtClean="0"/>
+              <a:pPr/>
               <a:t>‹#›</a:t>
             </a:fld>
             <a:endParaRPr lang="zh-TW" altLang="en-US"/>
@@ -2679,7 +2701,8 @@
           <a:p>
             <a:fld id="{0D8F5F08-8D8A-4CD5-BB11-CC28F1791CBD}" type="datetimeFigureOut">
               <a:rPr lang="zh-TW" altLang="en-US" smtClean="0"/>
-              <a:t>2017/7/4</a:t>
+              <a:pPr/>
+              <a:t>2020/3/31</a:t>
             </a:fld>
             <a:endParaRPr lang="zh-TW" altLang="en-US"/>
           </a:p>
@@ -2757,6 +2780,7 @@
           <a:p>
             <a:fld id="{3DA91A8E-836A-49B8-92A3-64C7660EC198}" type="slidenum">
               <a:rPr lang="zh-TW" altLang="en-US" smtClean="0"/>
+              <a:pPr/>
               <a:t>‹#›</a:t>
             </a:fld>
             <a:endParaRPr lang="zh-TW" altLang="en-US"/>
@@ -3120,27 +3144,7 @@
                 <a:latin typeface="微軟正黑體" pitchFamily="34" charset="-120"/>
                 <a:ea typeface="微軟正黑體" pitchFamily="34" charset="-120"/>
               </a:rPr>
-              <a:t>中</a:t>
-            </a:r>
-            <a:r>
-              <a:rPr lang="zh-TW" altLang="en-US" sz="5400" b="1" dirty="0" smtClean="0">
-                <a:solidFill>
-                  <a:srgbClr val="660033"/>
-                </a:solidFill>
-                <a:latin typeface="微軟正黑體" pitchFamily="34" charset="-120"/>
-                <a:ea typeface="微軟正黑體" pitchFamily="34" charset="-120"/>
-              </a:rPr>
-              <a:t> </a:t>
-            </a:r>
-            <a:r>
-              <a:rPr lang="zh-TW" altLang="en-US" sz="5400" b="1" dirty="0" smtClean="0">
-                <a:solidFill>
-                  <a:srgbClr val="660033"/>
-                </a:solidFill>
-                <a:latin typeface="微軟正黑體" pitchFamily="34" charset="-120"/>
-                <a:ea typeface="微軟正黑體" pitchFamily="34" charset="-120"/>
-              </a:rPr>
-              <a:t> 為</a:t>
+              <a:t>中  為</a:t>
             </a:r>
             <a:r>
               <a:rPr lang="zh-TW" altLang="en-US" sz="5400" b="1" dirty="0">
@@ -3182,27 +3186,7 @@
                 <a:latin typeface="微軟正黑體" pitchFamily="34" charset="-120"/>
                 <a:ea typeface="微軟正黑體" pitchFamily="34" charset="-120"/>
               </a:rPr>
-              <a:t>流淚如何</a:t>
-            </a:r>
-            <a:r>
-              <a:rPr lang="zh-TW" altLang="en-US" sz="5400" b="1" dirty="0" smtClean="0">
-                <a:solidFill>
-                  <a:srgbClr val="660033"/>
-                </a:solidFill>
-                <a:latin typeface="微軟正黑體" pitchFamily="34" charset="-120"/>
-                <a:ea typeface="微軟正黑體" pitchFamily="34" charset="-120"/>
-              </a:rPr>
-              <a:t> </a:t>
-            </a:r>
-            <a:r>
-              <a:rPr lang="zh-TW" altLang="en-US" sz="5400" b="1" dirty="0" smtClean="0">
-                <a:solidFill>
-                  <a:srgbClr val="660033"/>
-                </a:solidFill>
-                <a:latin typeface="微軟正黑體" pitchFamily="34" charset="-120"/>
-                <a:ea typeface="微軟正黑體" pitchFamily="34" charset="-120"/>
-              </a:rPr>
-              <a:t> 傾心</a:t>
+              <a:t>流淚如何  傾心</a:t>
             </a:r>
             <a:r>
               <a:rPr lang="zh-TW" altLang="en-US" sz="5400" b="1" dirty="0">
@@ -3389,27 +3373,7 @@
                 <a:latin typeface="微軟正黑體" pitchFamily="34" charset="-120"/>
                 <a:ea typeface="微軟正黑體" pitchFamily="34" charset="-120"/>
               </a:rPr>
-              <a:t>求</a:t>
-            </a:r>
-            <a:r>
-              <a:rPr lang="zh-TW" altLang="en-US" sz="5400" b="1" dirty="0" smtClean="0">
-                <a:solidFill>
-                  <a:srgbClr val="660033"/>
-                </a:solidFill>
-                <a:latin typeface="微軟正黑體" pitchFamily="34" charset="-120"/>
-                <a:ea typeface="微軟正黑體" pitchFamily="34" charset="-120"/>
-              </a:rPr>
-              <a:t> </a:t>
-            </a:r>
-            <a:r>
-              <a:rPr lang="zh-TW" altLang="en-US" sz="5400" b="1" dirty="0" smtClean="0">
-                <a:solidFill>
-                  <a:srgbClr val="660033"/>
-                </a:solidFill>
-                <a:latin typeface="微軟正黑體" pitchFamily="34" charset="-120"/>
-                <a:ea typeface="微軟正黑體" pitchFamily="34" charset="-120"/>
-              </a:rPr>
-              <a:t> 要</a:t>
+              <a:t>求  要</a:t>
             </a:r>
             <a:r>
               <a:rPr lang="zh-TW" altLang="en-US" sz="5400" b="1" dirty="0">
@@ -3451,27 +3415,7 @@
                 <a:latin typeface="微軟正黑體" pitchFamily="34" charset="-120"/>
                 <a:ea typeface="微軟正黑體" pitchFamily="34" charset="-120"/>
               </a:rPr>
-              <a:t>靠著聖靈</a:t>
-            </a:r>
-            <a:r>
-              <a:rPr lang="zh-TW" altLang="en-US" sz="5400" b="1" dirty="0" smtClean="0">
-                <a:solidFill>
-                  <a:srgbClr val="660033"/>
-                </a:solidFill>
-                <a:latin typeface="微軟正黑體" pitchFamily="34" charset="-120"/>
-                <a:ea typeface="微軟正黑體" pitchFamily="34" charset="-120"/>
-              </a:rPr>
-              <a:t> </a:t>
-            </a:r>
-            <a:r>
-              <a:rPr lang="zh-TW" altLang="en-US" sz="5400" b="1" dirty="0" smtClean="0">
-                <a:solidFill>
-                  <a:srgbClr val="660033"/>
-                </a:solidFill>
-                <a:latin typeface="微軟正黑體" pitchFamily="34" charset="-120"/>
-                <a:ea typeface="微軟正黑體" pitchFamily="34" charset="-120"/>
-              </a:rPr>
-              <a:t> 禱告</a:t>
+              <a:t>靠著聖靈  禱告</a:t>
             </a:r>
             <a:r>
               <a:rPr lang="zh-TW" altLang="en-US" sz="5400" b="1" dirty="0">
@@ -4125,27 +4069,7 @@
                 <a:latin typeface="微軟正黑體" pitchFamily="34" charset="-120"/>
                 <a:ea typeface="微軟正黑體" pitchFamily="34" charset="-120"/>
               </a:rPr>
-              <a:t>求</a:t>
-            </a:r>
-            <a:r>
-              <a:rPr lang="zh-TW" altLang="en-US" sz="5400" b="1" dirty="0" smtClean="0">
-                <a:solidFill>
-                  <a:srgbClr val="660033"/>
-                </a:solidFill>
-                <a:latin typeface="微軟正黑體" pitchFamily="34" charset="-120"/>
-                <a:ea typeface="微軟正黑體" pitchFamily="34" charset="-120"/>
-              </a:rPr>
-              <a:t> </a:t>
-            </a:r>
-            <a:r>
-              <a:rPr lang="zh-TW" altLang="en-US" sz="5400" b="1" dirty="0" smtClean="0">
-                <a:solidFill>
-                  <a:srgbClr val="660033"/>
-                </a:solidFill>
-                <a:latin typeface="微軟正黑體" pitchFamily="34" charset="-120"/>
-                <a:ea typeface="微軟正黑體" pitchFamily="34" charset="-120"/>
-              </a:rPr>
-              <a:t> 永不放棄</a:t>
+              <a:t>求  永不放棄</a:t>
             </a:r>
             <a:endParaRPr lang="en-US" altLang="zh-TW" sz="5400" b="1" dirty="0" smtClean="0">
               <a:solidFill>
@@ -4167,27 +4091,7 @@
                 <a:latin typeface="微軟正黑體" pitchFamily="34" charset="-120"/>
                 <a:ea typeface="微軟正黑體" pitchFamily="34" charset="-120"/>
               </a:rPr>
-              <a:t>清晨夜晚</a:t>
-            </a:r>
-            <a:r>
-              <a:rPr lang="zh-TW" altLang="en-US" sz="5400" b="1" dirty="0" smtClean="0">
-                <a:solidFill>
-                  <a:srgbClr val="660033"/>
-                </a:solidFill>
-                <a:latin typeface="微軟正黑體" pitchFamily="34" charset="-120"/>
-                <a:ea typeface="微軟正黑體" pitchFamily="34" charset="-120"/>
-              </a:rPr>
-              <a:t> </a:t>
-            </a:r>
-            <a:r>
-              <a:rPr lang="zh-TW" altLang="en-US" sz="5400" b="1" dirty="0" smtClean="0">
-                <a:solidFill>
-                  <a:srgbClr val="660033"/>
-                </a:solidFill>
-                <a:latin typeface="微軟正黑體" pitchFamily="34" charset="-120"/>
-                <a:ea typeface="微軟正黑體" pitchFamily="34" charset="-120"/>
-              </a:rPr>
-              <a:t> 徹夜守望</a:t>
+              <a:t>清晨夜晚  徹夜守望</a:t>
             </a:r>
             <a:endParaRPr lang="en-US" altLang="zh-TW" sz="5400" b="1" dirty="0" smtClean="0">
               <a:solidFill>

--- a/禱告的大軍.pptx
+++ b/禱告的大軍.pptx
@@ -5,14 +5,21 @@
     <p:sldMasterId id="2147483660" r:id="rId1"/>
   </p:sldMasterIdLst>
   <p:sldIdLst>
-    <p:sldId id="256" r:id="rId2"/>
-    <p:sldId id="257" r:id="rId3"/>
-    <p:sldId id="258" r:id="rId4"/>
-    <p:sldId id="259" r:id="rId5"/>
-    <p:sldId id="260" r:id="rId6"/>
-    <p:sldId id="261" r:id="rId7"/>
+    <p:sldId id="262" r:id="rId2"/>
+    <p:sldId id="263" r:id="rId3"/>
+    <p:sldId id="264" r:id="rId4"/>
+    <p:sldId id="265" r:id="rId5"/>
+    <p:sldId id="266" r:id="rId6"/>
+    <p:sldId id="267" r:id="rId7"/>
+    <p:sldId id="268" r:id="rId8"/>
+    <p:sldId id="269" r:id="rId9"/>
+    <p:sldId id="270" r:id="rId10"/>
+    <p:sldId id="271" r:id="rId11"/>
+    <p:sldId id="272" r:id="rId12"/>
+    <p:sldId id="273" r:id="rId13"/>
+    <p:sldId id="274" r:id="rId14"/>
   </p:sldIdLst>
-  <p:sldSz cx="9144000" cy="6858000" type="screen4x3"/>
+  <p:sldSz cx="12192000" cy="6858000"/>
   <p:notesSz cx="6858000" cy="9144000"/>
   <p:defaultTextStyle>
     <a:defPPr>
@@ -109,6 +116,22 @@
       </a:defRPr>
     </a:lvl9pPr>
   </p:defaultTextStyle>
+  <p:extLst>
+    <p:ext uri="{EFAFB233-063F-42B5-8137-9DF3F51BA10A}">
+      <p15:sldGuideLst xmlns:p15="http://schemas.microsoft.com/office/powerpoint/2012/main">
+        <p15:guide id="1" orient="horz" pos="2160" userDrawn="1">
+          <p15:clr>
+            <a:srgbClr val="A4A3A4"/>
+          </p15:clr>
+        </p15:guide>
+        <p15:guide id="2" pos="3840" userDrawn="1">
+          <p15:clr>
+            <a:srgbClr val="A4A3A4"/>
+          </p15:clr>
+        </p15:guide>
+      </p15:sldGuideLst>
+    </p:ext>
+  </p:extLst>
 </p:presentation>
 </file>
 
@@ -141,8 +164,8 @@
         </p:nvSpPr>
         <p:spPr>
           <a:xfrm>
-            <a:off x="685800" y="2130425"/>
-            <a:ext cx="7772400" cy="1470025"/>
+            <a:off x="914400" y="2130426"/>
+            <a:ext cx="10363200" cy="1470025"/>
           </a:xfrm>
         </p:spPr>
         <p:txBody>
@@ -169,8 +192,8 @@
         </p:nvSpPr>
         <p:spPr>
           <a:xfrm>
-            <a:off x="1371600" y="3886200"/>
-            <a:ext cx="6400800" cy="1752600"/>
+            <a:off x="1828800" y="3886200"/>
+            <a:ext cx="8534400" cy="1752600"/>
           </a:xfrm>
         </p:spPr>
         <p:txBody>
@@ -294,7 +317,7 @@
             <a:fld id="{0D8F5F08-8D8A-4CD5-BB11-CC28F1791CBD}" type="datetimeFigureOut">
               <a:rPr lang="zh-TW" altLang="en-US" smtClean="0"/>
               <a:pPr/>
-              <a:t>2020/3/31</a:t>
+              <a:t>2023/5/8</a:t>
             </a:fld>
             <a:endParaRPr lang="zh-TW" altLang="en-US"/>
           </a:p>
@@ -461,7 +484,7 @@
             <a:fld id="{0D8F5F08-8D8A-4CD5-BB11-CC28F1791CBD}" type="datetimeFigureOut">
               <a:rPr lang="zh-TW" altLang="en-US" smtClean="0"/>
               <a:pPr/>
-              <a:t>2020/3/31</a:t>
+              <a:t>2023/5/8</a:t>
             </a:fld>
             <a:endParaRPr lang="zh-TW" altLang="en-US"/>
           </a:p>
@@ -547,8 +570,8 @@
         </p:nvSpPr>
         <p:spPr>
           <a:xfrm>
-            <a:off x="6629400" y="274638"/>
-            <a:ext cx="2057400" cy="5851525"/>
+            <a:off x="8839200" y="274639"/>
+            <a:ext cx="2743200" cy="5851525"/>
           </a:xfrm>
         </p:spPr>
         <p:txBody>
@@ -575,8 +598,8 @@
         </p:nvSpPr>
         <p:spPr>
           <a:xfrm>
-            <a:off x="457200" y="274638"/>
-            <a:ext cx="6019800" cy="5851525"/>
+            <a:off x="609600" y="274639"/>
+            <a:ext cx="8026400" cy="5851525"/>
           </a:xfrm>
         </p:spPr>
         <p:txBody>
@@ -638,7 +661,7 @@
             <a:fld id="{0D8F5F08-8D8A-4CD5-BB11-CC28F1791CBD}" type="datetimeFigureOut">
               <a:rPr lang="zh-TW" altLang="en-US" smtClean="0"/>
               <a:pPr/>
-              <a:t>2020/3/31</a:t>
+              <a:t>2023/5/8</a:t>
             </a:fld>
             <a:endParaRPr lang="zh-TW" altLang="en-US"/>
           </a:p>
@@ -805,7 +828,7 @@
             <a:fld id="{0D8F5F08-8D8A-4CD5-BB11-CC28F1791CBD}" type="datetimeFigureOut">
               <a:rPr lang="zh-TW" altLang="en-US" smtClean="0"/>
               <a:pPr/>
-              <a:t>2020/3/31</a:t>
+              <a:t>2023/5/8</a:t>
             </a:fld>
             <a:endParaRPr lang="zh-TW" altLang="en-US"/>
           </a:p>
@@ -891,8 +914,8 @@
         </p:nvSpPr>
         <p:spPr>
           <a:xfrm>
-            <a:off x="722313" y="4406900"/>
-            <a:ext cx="7772400" cy="1362075"/>
+            <a:off x="963084" y="4406901"/>
+            <a:ext cx="10363200" cy="1362075"/>
           </a:xfrm>
         </p:spPr>
         <p:txBody>
@@ -923,8 +946,8 @@
         </p:nvSpPr>
         <p:spPr>
           <a:xfrm>
-            <a:off x="722313" y="2906713"/>
-            <a:ext cx="7772400" cy="1500187"/>
+            <a:off x="963084" y="2906713"/>
+            <a:ext cx="10363200" cy="1500187"/>
           </a:xfrm>
         </p:spPr>
         <p:txBody>
@@ -1048,7 +1071,7 @@
             <a:fld id="{0D8F5F08-8D8A-4CD5-BB11-CC28F1791CBD}" type="datetimeFigureOut">
               <a:rPr lang="zh-TW" altLang="en-US" smtClean="0"/>
               <a:pPr/>
-              <a:t>2020/3/31</a:t>
+              <a:t>2023/5/8</a:t>
             </a:fld>
             <a:endParaRPr lang="zh-TW" altLang="en-US"/>
           </a:p>
@@ -1157,8 +1180,8 @@
         </p:nvSpPr>
         <p:spPr>
           <a:xfrm>
-            <a:off x="457200" y="1600200"/>
-            <a:ext cx="4038600" cy="4525963"/>
+            <a:off x="609600" y="1600201"/>
+            <a:ext cx="5384800" cy="4525963"/>
           </a:xfrm>
         </p:spPr>
         <p:txBody>
@@ -1242,8 +1265,8 @@
         </p:nvSpPr>
         <p:spPr>
           <a:xfrm>
-            <a:off x="4648200" y="1600200"/>
-            <a:ext cx="4038600" cy="4525963"/>
+            <a:off x="6197600" y="1600201"/>
+            <a:ext cx="5384800" cy="4525963"/>
           </a:xfrm>
         </p:spPr>
         <p:txBody>
@@ -1333,7 +1356,7 @@
             <a:fld id="{0D8F5F08-8D8A-4CD5-BB11-CC28F1791CBD}" type="datetimeFigureOut">
               <a:rPr lang="zh-TW" altLang="en-US" smtClean="0"/>
               <a:pPr/>
-              <a:t>2020/3/31</a:t>
+              <a:t>2023/5/8</a:t>
             </a:fld>
             <a:endParaRPr lang="zh-TW" altLang="en-US"/>
           </a:p>
@@ -1446,8 +1469,8 @@
         </p:nvSpPr>
         <p:spPr>
           <a:xfrm>
-            <a:off x="457200" y="1535113"/>
-            <a:ext cx="4040188" cy="639762"/>
+            <a:off x="609600" y="1535113"/>
+            <a:ext cx="5386917" cy="639762"/>
           </a:xfrm>
         </p:spPr>
         <p:txBody>
@@ -1511,8 +1534,8 @@
         </p:nvSpPr>
         <p:spPr>
           <a:xfrm>
-            <a:off x="457200" y="2174875"/>
-            <a:ext cx="4040188" cy="3951288"/>
+            <a:off x="609600" y="2174875"/>
+            <a:ext cx="5386917" cy="3951288"/>
           </a:xfrm>
         </p:spPr>
         <p:txBody>
@@ -1596,8 +1619,8 @@
         </p:nvSpPr>
         <p:spPr>
           <a:xfrm>
-            <a:off x="4645025" y="1535113"/>
-            <a:ext cx="4041775" cy="639762"/>
+            <a:off x="6193368" y="1535113"/>
+            <a:ext cx="5389033" cy="639762"/>
           </a:xfrm>
         </p:spPr>
         <p:txBody>
@@ -1661,8 +1684,8 @@
         </p:nvSpPr>
         <p:spPr>
           <a:xfrm>
-            <a:off x="4645025" y="2174875"/>
-            <a:ext cx="4041775" cy="3951288"/>
+            <a:off x="6193368" y="2174875"/>
+            <a:ext cx="5389033" cy="3951288"/>
           </a:xfrm>
         </p:spPr>
         <p:txBody>
@@ -1752,7 +1775,7 @@
             <a:fld id="{0D8F5F08-8D8A-4CD5-BB11-CC28F1791CBD}" type="datetimeFigureOut">
               <a:rPr lang="zh-TW" altLang="en-US" smtClean="0"/>
               <a:pPr/>
-              <a:t>2020/3/31</a:t>
+              <a:t>2023/5/8</a:t>
             </a:fld>
             <a:endParaRPr lang="zh-TW" altLang="en-US"/>
           </a:p>
@@ -1867,7 +1890,7 @@
             <a:fld id="{0D8F5F08-8D8A-4CD5-BB11-CC28F1791CBD}" type="datetimeFigureOut">
               <a:rPr lang="zh-TW" altLang="en-US" smtClean="0"/>
               <a:pPr/>
-              <a:t>2020/3/31</a:t>
+              <a:t>2023/5/8</a:t>
             </a:fld>
             <a:endParaRPr lang="zh-TW" altLang="en-US"/>
           </a:p>
@@ -1959,7 +1982,7 @@
             <a:fld id="{0D8F5F08-8D8A-4CD5-BB11-CC28F1791CBD}" type="datetimeFigureOut">
               <a:rPr lang="zh-TW" altLang="en-US" smtClean="0"/>
               <a:pPr/>
-              <a:t>2020/3/31</a:t>
+              <a:t>2023/5/8</a:t>
             </a:fld>
             <a:endParaRPr lang="zh-TW" altLang="en-US"/>
           </a:p>
@@ -2045,8 +2068,8 @@
         </p:nvSpPr>
         <p:spPr>
           <a:xfrm>
-            <a:off x="457200" y="273050"/>
-            <a:ext cx="3008313" cy="1162050"/>
+            <a:off x="609601" y="273050"/>
+            <a:ext cx="4011084" cy="1162050"/>
           </a:xfrm>
         </p:spPr>
         <p:txBody>
@@ -2077,8 +2100,8 @@
         </p:nvSpPr>
         <p:spPr>
           <a:xfrm>
-            <a:off x="3575050" y="273050"/>
-            <a:ext cx="5111750" cy="5853113"/>
+            <a:off x="4766733" y="273051"/>
+            <a:ext cx="6815667" cy="5853113"/>
           </a:xfrm>
         </p:spPr>
         <p:txBody>
@@ -2162,8 +2185,8 @@
         </p:nvSpPr>
         <p:spPr>
           <a:xfrm>
-            <a:off x="457200" y="1435100"/>
-            <a:ext cx="3008313" cy="4691063"/>
+            <a:off x="609601" y="1435101"/>
+            <a:ext cx="4011084" cy="4691063"/>
           </a:xfrm>
         </p:spPr>
         <p:txBody>
@@ -2233,7 +2256,7 @@
             <a:fld id="{0D8F5F08-8D8A-4CD5-BB11-CC28F1791CBD}" type="datetimeFigureOut">
               <a:rPr lang="zh-TW" altLang="en-US" smtClean="0"/>
               <a:pPr/>
-              <a:t>2020/3/31</a:t>
+              <a:t>2023/5/8</a:t>
             </a:fld>
             <a:endParaRPr lang="zh-TW" altLang="en-US"/>
           </a:p>
@@ -2319,8 +2342,8 @@
         </p:nvSpPr>
         <p:spPr>
           <a:xfrm>
-            <a:off x="1792288" y="4800600"/>
-            <a:ext cx="5486400" cy="566738"/>
+            <a:off x="2389717" y="4800600"/>
+            <a:ext cx="7315200" cy="566738"/>
           </a:xfrm>
         </p:spPr>
         <p:txBody>
@@ -2351,8 +2374,8 @@
         </p:nvSpPr>
         <p:spPr>
           <a:xfrm>
-            <a:off x="1792288" y="612775"/>
-            <a:ext cx="5486400" cy="4114800"/>
+            <a:off x="2389717" y="612775"/>
+            <a:ext cx="7315200" cy="4114800"/>
           </a:xfrm>
         </p:spPr>
         <p:txBody>
@@ -2416,8 +2439,8 @@
         </p:nvSpPr>
         <p:spPr>
           <a:xfrm>
-            <a:off x="1792288" y="5367338"/>
-            <a:ext cx="5486400" cy="804862"/>
+            <a:off x="2389717" y="5367338"/>
+            <a:ext cx="7315200" cy="804862"/>
           </a:xfrm>
         </p:spPr>
         <p:txBody>
@@ -2487,7 +2510,7 @@
             <a:fld id="{0D8F5F08-8D8A-4CD5-BB11-CC28F1791CBD}" type="datetimeFigureOut">
               <a:rPr lang="zh-TW" altLang="en-US" smtClean="0"/>
               <a:pPr/>
-              <a:t>2020/3/31</a:t>
+              <a:t>2023/5/8</a:t>
             </a:fld>
             <a:endParaRPr lang="zh-TW" altLang="en-US"/>
           </a:p>
@@ -2583,8 +2606,8 @@
         </p:nvSpPr>
         <p:spPr>
           <a:xfrm>
-            <a:off x="457200" y="274638"/>
-            <a:ext cx="8229600" cy="1143000"/>
+            <a:off x="609600" y="274638"/>
+            <a:ext cx="10972800" cy="1143000"/>
           </a:xfrm>
           <a:prstGeom prst="rect">
             <a:avLst/>
@@ -2616,8 +2639,8 @@
         </p:nvSpPr>
         <p:spPr>
           <a:xfrm>
-            <a:off x="457200" y="1600200"/>
-            <a:ext cx="8229600" cy="4525963"/>
+            <a:off x="609600" y="1600201"/>
+            <a:ext cx="10972800" cy="4525963"/>
           </a:xfrm>
           <a:prstGeom prst="rect">
             <a:avLst/>
@@ -2678,8 +2701,8 @@
         </p:nvSpPr>
         <p:spPr>
           <a:xfrm>
-            <a:off x="457200" y="6356350"/>
-            <a:ext cx="2133600" cy="365125"/>
+            <a:off x="609600" y="6356351"/>
+            <a:ext cx="2844800" cy="365125"/>
           </a:xfrm>
           <a:prstGeom prst="rect">
             <a:avLst/>
@@ -2702,7 +2725,7 @@
             <a:fld id="{0D8F5F08-8D8A-4CD5-BB11-CC28F1791CBD}" type="datetimeFigureOut">
               <a:rPr lang="zh-TW" altLang="en-US" smtClean="0"/>
               <a:pPr/>
-              <a:t>2020/3/31</a:t>
+              <a:t>2023/5/8</a:t>
             </a:fld>
             <a:endParaRPr lang="zh-TW" altLang="en-US"/>
           </a:p>
@@ -2720,8 +2743,8 @@
         </p:nvSpPr>
         <p:spPr>
           <a:xfrm>
-            <a:off x="3124200" y="6356350"/>
-            <a:ext cx="2895600" cy="365125"/>
+            <a:off x="4165600" y="6356351"/>
+            <a:ext cx="3860800" cy="365125"/>
           </a:xfrm>
           <a:prstGeom prst="rect">
             <a:avLst/>
@@ -2757,8 +2780,8 @@
         </p:nvSpPr>
         <p:spPr>
           <a:xfrm>
-            <a:off x="6553200" y="6356350"/>
-            <a:ext cx="2133600" cy="365125"/>
+            <a:off x="8737600" y="6356351"/>
+            <a:ext cx="2844800" cy="365125"/>
           </a:xfrm>
           <a:prstGeom prst="rect">
             <a:avLst/>
@@ -3075,7 +3098,7 @@
       </p:grpSpPr>
       <p:sp>
         <p:nvSpPr>
-          <p:cNvPr id="2" name="標題 1"/>
+          <p:cNvPr id="4" name="標題 3"/>
           <p:cNvSpPr>
             <a:spLocks noGrp="1"/>
           </p:cNvSpPr>
@@ -3083,27 +3106,88 @@
             <p:ph type="title"/>
           </p:nvPr>
         </p:nvSpPr>
-        <p:spPr/>
-        <p:txBody>
-          <a:bodyPr/>
-          <a:lstStyle/>
-          <a:p>
-            <a:r>
-              <a:rPr lang="zh-TW" altLang="en-US" b="1" dirty="0">
-                <a:solidFill>
-                  <a:srgbClr val="660033"/>
-                </a:solidFill>
+        <p:spPr>
+          <a:xfrm>
+            <a:off x="0" y="2660915"/>
+            <a:ext cx="12192000" cy="1143000"/>
+          </a:xfrm>
+        </p:spPr>
+        <p:txBody>
+          <a:bodyPr>
+            <a:noAutofit/>
+          </a:bodyPr>
+          <a:lstStyle/>
+          <a:p>
+            <a:r>
+              <a:rPr lang="zh-TW" altLang="en-US" sz="7200" b="1" i="1" dirty="0" smtClean="0">
+                <a:solidFill>
+                  <a:srgbClr val="660033"/>
+                </a:solidFill>
+                <a:effectLst>
+                  <a:outerShdw blurRad="38100" dist="38100" dir="2700000" algn="tl">
+                    <a:srgbClr val="000000">
+                      <a:alpha val="43137"/>
+                    </a:srgbClr>
+                  </a:outerShdw>
+                </a:effectLst>
                 <a:latin typeface="微軟正黑體" pitchFamily="34" charset="-120"/>
                 <a:ea typeface="微軟正黑體" pitchFamily="34" charset="-120"/>
               </a:rPr>
-              <a:t>禱告的大軍</a:t>
-            </a:r>
-          </a:p>
-        </p:txBody>
-      </p:sp>
-      <p:sp>
-        <p:nvSpPr>
-          <p:cNvPr id="3" name="內容版面配置區 2"/>
+              <a:t>禱</a:t>
+            </a:r>
+            <a:r>
+              <a:rPr lang="zh-TW" altLang="en-US" sz="7200" b="1" i="1" dirty="0">
+                <a:solidFill>
+                  <a:srgbClr val="660033"/>
+                </a:solidFill>
+                <a:effectLst>
+                  <a:outerShdw blurRad="38100" dist="38100" dir="2700000" algn="tl">
+                    <a:srgbClr val="000000">
+                      <a:alpha val="43137"/>
+                    </a:srgbClr>
+                  </a:outerShdw>
+                </a:effectLst>
+                <a:latin typeface="微軟正黑體" pitchFamily="34" charset="-120"/>
+                <a:ea typeface="微軟正黑體" pitchFamily="34" charset="-120"/>
+              </a:rPr>
+              <a:t>告的大軍</a:t>
+            </a:r>
+          </a:p>
+        </p:txBody>
+      </p:sp>
+    </p:spTree>
+    <p:extLst>
+      <p:ext uri="{BB962C8B-B14F-4D97-AF65-F5344CB8AC3E}">
+        <p14:creationId xmlns:p14="http://schemas.microsoft.com/office/powerpoint/2010/main" val="2402365279"/>
+      </p:ext>
+    </p:extLst>
+  </p:cSld>
+  <p:clrMapOvr>
+    <a:masterClrMapping/>
+  </p:clrMapOvr>
+</p:sld>
+</file>
+
+<file path=ppt/slides/slide10.xml><?xml version="1.0" encoding="utf-8"?>
+<p:sld xmlns:a="http://schemas.openxmlformats.org/drawingml/2006/main" xmlns:r="http://schemas.openxmlformats.org/officeDocument/2006/relationships" xmlns:p="http://schemas.openxmlformats.org/presentationml/2006/main">
+  <p:cSld>
+    <p:spTree>
+      <p:nvGrpSpPr>
+        <p:cNvPr id="1" name=""/>
+        <p:cNvGrpSpPr/>
+        <p:nvPr/>
+      </p:nvGrpSpPr>
+      <p:grpSpPr>
+        <a:xfrm>
+          <a:off x="0" y="0"/>
+          <a:ext cx="0" cy="0"/>
+          <a:chOff x="0" y="0"/>
+          <a:chExt cx="0" cy="0"/>
+        </a:xfrm>
+      </p:grpSpPr>
+      <p:sp>
+        <p:nvSpPr>
+          <p:cNvPr id="5" name="內容版面配置區 4"/>
           <p:cNvSpPr>
             <a:spLocks noGrp="1"/>
           </p:cNvSpPr>
@@ -3113,13 +3197,13 @@
         </p:nvSpPr>
         <p:spPr>
           <a:xfrm>
-            <a:off x="0" y="1600200"/>
-            <a:ext cx="9144000" cy="4525963"/>
+            <a:off x="0" y="2084851"/>
+            <a:ext cx="12192000" cy="2404863"/>
           </a:xfrm>
         </p:spPr>
         <p:txBody>
           <a:bodyPr anchor="ctr">
-            <a:noAutofit/>
+            <a:normAutofit/>
           </a:bodyPr>
           <a:lstStyle/>
           <a:p>
@@ -3127,46 +3211,16 @@
               <a:buNone/>
             </a:pPr>
             <a:r>
-              <a:rPr lang="zh-TW" altLang="en-US" sz="5400" b="1" dirty="0">
+              <a:rPr lang="zh-TW" altLang="en-US" sz="6400" b="1" dirty="0">
                 <a:solidFill>
                   <a:srgbClr val="660033"/>
                 </a:solidFill>
                 <a:latin typeface="微軟正黑體" pitchFamily="34" charset="-120"/>
                 <a:ea typeface="微軟正黑體" pitchFamily="34" charset="-120"/>
               </a:rPr>
-              <a:t>站在破口</a:t>
-            </a:r>
-            <a:r>
-              <a:rPr lang="zh-TW" altLang="en-US" sz="5400" b="1" dirty="0" smtClean="0">
-                <a:solidFill>
-                  <a:srgbClr val="660033"/>
-                </a:solidFill>
-                <a:latin typeface="微軟正黑體" pitchFamily="34" charset="-120"/>
-                <a:ea typeface="微軟正黑體" pitchFamily="34" charset="-120"/>
-              </a:rPr>
-              <a:t>中  為</a:t>
-            </a:r>
-            <a:r>
-              <a:rPr lang="zh-TW" altLang="en-US" sz="5400" b="1" dirty="0">
-                <a:solidFill>
-                  <a:srgbClr val="660033"/>
-                </a:solidFill>
-                <a:latin typeface="微軟正黑體" pitchFamily="34" charset="-120"/>
-                <a:ea typeface="微軟正黑體" pitchFamily="34" charset="-120"/>
-              </a:rPr>
-              <a:t>這世代呼</a:t>
-            </a:r>
-            <a:r>
-              <a:rPr lang="zh-TW" altLang="en-US" sz="5400" b="1" dirty="0" smtClean="0">
-                <a:solidFill>
-                  <a:srgbClr val="660033"/>
-                </a:solidFill>
-                <a:latin typeface="微軟正黑體" pitchFamily="34" charset="-120"/>
-                <a:ea typeface="微軟正黑體" pitchFamily="34" charset="-120"/>
-              </a:rPr>
-              <a:t>求</a:t>
-            </a:r>
-            <a:endParaRPr lang="en-US" altLang="zh-TW" sz="5400" b="1" dirty="0" smtClean="0">
+              <a:t>大聲呼求  永不放棄</a:t>
+            </a:r>
+            <a:endParaRPr lang="en-US" altLang="zh-TW" sz="6400" b="1" dirty="0">
               <a:solidFill>
                 <a:srgbClr val="660033"/>
               </a:solidFill>
@@ -3179,36 +3233,16 @@
               <a:buNone/>
             </a:pPr>
             <a:r>
-              <a:rPr lang="zh-TW" altLang="en-US" sz="5400" b="1" dirty="0" smtClean="0">
+              <a:rPr lang="zh-TW" altLang="en-US" sz="6400" b="1" dirty="0">
                 <a:solidFill>
                   <a:srgbClr val="660033"/>
                 </a:solidFill>
                 <a:latin typeface="微軟正黑體" pitchFamily="34" charset="-120"/>
                 <a:ea typeface="微軟正黑體" pitchFamily="34" charset="-120"/>
               </a:rPr>
-              <a:t>流淚如何  傾心</a:t>
-            </a:r>
-            <a:r>
-              <a:rPr lang="zh-TW" altLang="en-US" sz="5400" b="1" dirty="0">
-                <a:solidFill>
-                  <a:srgbClr val="660033"/>
-                </a:solidFill>
-                <a:latin typeface="微軟正黑體" pitchFamily="34" charset="-120"/>
-                <a:ea typeface="微軟正黑體" pitchFamily="34" charset="-120"/>
-              </a:rPr>
-              <a:t>如</a:t>
-            </a:r>
-            <a:r>
-              <a:rPr lang="zh-TW" altLang="en-US" sz="5400" b="1" dirty="0" smtClean="0">
-                <a:solidFill>
-                  <a:srgbClr val="660033"/>
-                </a:solidFill>
-                <a:latin typeface="微軟正黑體" pitchFamily="34" charset="-120"/>
-                <a:ea typeface="微軟正黑體" pitchFamily="34" charset="-120"/>
-              </a:rPr>
-              <a:t>水</a:t>
-            </a:r>
-            <a:endParaRPr lang="en-US" altLang="zh-TW" sz="5400" b="1" dirty="0" smtClean="0">
+              <a:t>清晨夜晚  徹夜守望</a:t>
+            </a:r>
+            <a:endParaRPr lang="en-US" altLang="zh-TW" sz="6400" b="1" dirty="0">
               <a:solidFill>
                 <a:srgbClr val="660033"/>
               </a:solidFill>
@@ -3216,41 +3250,316 @@
               <a:ea typeface="微軟正黑體" pitchFamily="34" charset="-120"/>
             </a:endParaRPr>
           </a:p>
+        </p:txBody>
+      </p:sp>
+      <p:sp>
+        <p:nvSpPr>
+          <p:cNvPr id="3" name="TextBox 2"/>
+          <p:cNvSpPr txBox="1"/>
+          <p:nvPr/>
+        </p:nvSpPr>
+        <p:spPr>
+          <a:xfrm>
+            <a:off x="0" y="5157192"/>
+            <a:ext cx="12192000" cy="646331"/>
+          </a:xfrm>
+          <a:prstGeom prst="rect">
+            <a:avLst/>
+          </a:prstGeom>
+          <a:noFill/>
+        </p:spPr>
+        <p:txBody>
+          <a:bodyPr wrap="square" rtlCol="0">
+            <a:spAutoFit/>
+          </a:bodyPr>
+          <a:lstStyle/>
+          <a:p>
+            <a:pPr algn="ctr"/>
+            <a:r>
+              <a:rPr lang="en-US" sz="3600" b="1" dirty="0">
+                <a:solidFill>
+                  <a:srgbClr val="660033"/>
+                </a:solidFill>
+                <a:latin typeface="Microsoft JhengHei" panose="020B0604030504040204" pitchFamily="34" charset="-120"/>
+                <a:ea typeface="Microsoft JhengHei" panose="020B0604030504040204" pitchFamily="34" charset="-120"/>
+              </a:rPr>
+              <a:t>( </a:t>
+            </a:r>
+            <a:r>
+              <a:rPr lang="zh-CN" altLang="en-US" sz="3600" b="1" dirty="0" smtClean="0">
+                <a:solidFill>
+                  <a:srgbClr val="660033"/>
+                </a:solidFill>
+                <a:latin typeface="Microsoft JhengHei" panose="020B0604030504040204" pitchFamily="34" charset="-120"/>
+                <a:ea typeface="Microsoft JhengHei" panose="020B0604030504040204" pitchFamily="34" charset="-120"/>
+              </a:rPr>
+              <a:t>橋</a:t>
+            </a:r>
+            <a:r>
+              <a:rPr lang="en-US" sz="3600" b="1" dirty="0" smtClean="0">
+                <a:solidFill>
+                  <a:srgbClr val="660033"/>
+                </a:solidFill>
+                <a:latin typeface="Microsoft JhengHei" panose="020B0604030504040204" pitchFamily="34" charset="-120"/>
+                <a:ea typeface="Microsoft JhengHei" panose="020B0604030504040204" pitchFamily="34" charset="-120"/>
+              </a:rPr>
+              <a:t> </a:t>
+            </a:r>
+            <a:r>
+              <a:rPr lang="en-US" sz="3600" b="1" dirty="0">
+                <a:solidFill>
+                  <a:srgbClr val="660033"/>
+                </a:solidFill>
+                <a:latin typeface="Microsoft JhengHei" panose="020B0604030504040204" pitchFamily="34" charset="-120"/>
+                <a:ea typeface="Microsoft JhengHei" panose="020B0604030504040204" pitchFamily="34" charset="-120"/>
+              </a:rPr>
+              <a:t>)</a:t>
+            </a:r>
+            <a:endParaRPr lang="vi-VN" sz="3600" b="1" dirty="0">
+              <a:solidFill>
+                <a:srgbClr val="660033"/>
+              </a:solidFill>
+              <a:ea typeface="Microsoft JhengHei" panose="020B0604030504040204" pitchFamily="34" charset="-120"/>
+            </a:endParaRPr>
+          </a:p>
+        </p:txBody>
+      </p:sp>
+    </p:spTree>
+    <p:extLst>
+      <p:ext uri="{BB962C8B-B14F-4D97-AF65-F5344CB8AC3E}">
+        <p14:creationId xmlns:p14="http://schemas.microsoft.com/office/powerpoint/2010/main" val="605362038"/>
+      </p:ext>
+    </p:extLst>
+  </p:cSld>
+  <p:clrMapOvr>
+    <a:masterClrMapping/>
+  </p:clrMapOvr>
+</p:sld>
+</file>
+
+<file path=ppt/slides/slide11.xml><?xml version="1.0" encoding="utf-8"?>
+<p:sld xmlns:a="http://schemas.openxmlformats.org/drawingml/2006/main" xmlns:r="http://schemas.openxmlformats.org/officeDocument/2006/relationships" xmlns:p="http://schemas.openxmlformats.org/presentationml/2006/main">
+  <p:cSld>
+    <p:spTree>
+      <p:nvGrpSpPr>
+        <p:cNvPr id="1" name=""/>
+        <p:cNvGrpSpPr/>
+        <p:nvPr/>
+      </p:nvGrpSpPr>
+      <p:grpSpPr>
+        <a:xfrm>
+          <a:off x="0" y="0"/>
+          <a:ext cx="0" cy="0"/>
+          <a:chOff x="0" y="0"/>
+          <a:chExt cx="0" cy="0"/>
+        </a:xfrm>
+      </p:grpSpPr>
+      <p:sp>
+        <p:nvSpPr>
+          <p:cNvPr id="5" name="內容版面配置區 4"/>
+          <p:cNvSpPr>
+            <a:spLocks noGrp="1"/>
+          </p:cNvSpPr>
+          <p:nvPr>
+            <p:ph idx="1"/>
+          </p:nvPr>
+        </p:nvSpPr>
+        <p:spPr>
+          <a:xfrm>
+            <a:off x="0" y="2084851"/>
+            <a:ext cx="12192000" cy="2404863"/>
+          </a:xfrm>
+        </p:spPr>
+        <p:txBody>
+          <a:bodyPr anchor="ctr">
+            <a:normAutofit/>
+          </a:bodyPr>
+          <a:lstStyle/>
           <a:p>
             <a:pPr algn="ctr">
               <a:buNone/>
             </a:pPr>
             <a:r>
-              <a:rPr lang="zh-TW" altLang="en-US" sz="5400" b="1" dirty="0" smtClean="0">
+              <a:rPr lang="zh-TW" altLang="en-US" sz="6400" b="1" dirty="0">
                 <a:solidFill>
                   <a:srgbClr val="660033"/>
                 </a:solidFill>
                 <a:latin typeface="微軟正黑體" pitchFamily="34" charset="-120"/>
                 <a:ea typeface="微軟正黑體" pitchFamily="34" charset="-120"/>
               </a:rPr>
-              <a:t>祈求</a:t>
-            </a:r>
-            <a:r>
-              <a:rPr lang="zh-TW" altLang="en-US" sz="5400" b="1" dirty="0">
+              <a:t>向</a:t>
+            </a:r>
+            <a:r>
+              <a:rPr lang="zh-TW" altLang="en-US" sz="6400" b="1" dirty="0">
                 <a:solidFill>
                   <a:srgbClr val="660033"/>
                 </a:solidFill>
                 <a:latin typeface="微軟正黑體" pitchFamily="34" charset="-120"/>
                 <a:ea typeface="微軟正黑體" pitchFamily="34" charset="-120"/>
               </a:rPr>
-              <a:t>不</a:t>
-            </a:r>
-            <a:r>
-              <a:rPr lang="zh-TW" altLang="en-US" sz="5400" b="1" dirty="0" smtClean="0">
+              <a:t>祢</a:t>
+            </a:r>
+            <a:r>
+              <a:rPr lang="zh-TW" altLang="en-US" sz="6400" b="1" dirty="0">
                 <a:solidFill>
                   <a:srgbClr val="660033"/>
                 </a:solidFill>
                 <a:latin typeface="微軟正黑體" pitchFamily="34" charset="-120"/>
                 <a:ea typeface="微軟正黑體" pitchFamily="34" charset="-120"/>
               </a:rPr>
-              <a:t>疲倦</a:t>
-            </a:r>
-            <a:endParaRPr lang="zh-TW" altLang="en-US" sz="5400" b="1" dirty="0">
+              <a:t>求</a:t>
+            </a:r>
+            <a:r>
+              <a:rPr lang="zh-TW" altLang="en-US" sz="6400" b="1" dirty="0">
+                <a:solidFill>
+                  <a:srgbClr val="660033"/>
+                </a:solidFill>
+                <a:latin typeface="微軟正黑體" pitchFamily="34" charset="-120"/>
+                <a:ea typeface="微軟正黑體" pitchFamily="34" charset="-120"/>
+              </a:rPr>
+              <a:t>耶利米的心</a:t>
+            </a:r>
+          </a:p>
+        </p:txBody>
+      </p:sp>
+      <p:sp>
+        <p:nvSpPr>
+          <p:cNvPr id="3" name="TextBox 2"/>
+          <p:cNvSpPr txBox="1"/>
+          <p:nvPr/>
+        </p:nvSpPr>
+        <p:spPr>
+          <a:xfrm>
+            <a:off x="0" y="5157192"/>
+            <a:ext cx="12192000" cy="646331"/>
+          </a:xfrm>
+          <a:prstGeom prst="rect">
+            <a:avLst/>
+          </a:prstGeom>
+          <a:noFill/>
+        </p:spPr>
+        <p:txBody>
+          <a:bodyPr wrap="square" rtlCol="0">
+            <a:spAutoFit/>
+          </a:bodyPr>
+          <a:lstStyle/>
+          <a:p>
+            <a:pPr algn="ctr"/>
+            <a:r>
+              <a:rPr lang="en-US" sz="3600" b="1" dirty="0">
+                <a:solidFill>
+                  <a:srgbClr val="660033"/>
+                </a:solidFill>
+                <a:latin typeface="Microsoft JhengHei" panose="020B0604030504040204" pitchFamily="34" charset="-120"/>
+                <a:ea typeface="Microsoft JhengHei" panose="020B0604030504040204" pitchFamily="34" charset="-120"/>
+              </a:rPr>
+              <a:t>( </a:t>
+            </a:r>
+            <a:r>
+              <a:rPr lang="zh-CN" altLang="en-US" sz="3600" b="1" dirty="0" smtClean="0">
+                <a:solidFill>
+                  <a:srgbClr val="660033"/>
+                </a:solidFill>
+                <a:latin typeface="Microsoft JhengHei" panose="020B0604030504040204" pitchFamily="34" charset="-120"/>
+                <a:ea typeface="Microsoft JhengHei" panose="020B0604030504040204" pitchFamily="34" charset="-120"/>
+              </a:rPr>
+              <a:t>橋</a:t>
+            </a:r>
+            <a:r>
+              <a:rPr lang="en-US" sz="3600" b="1" dirty="0" smtClean="0">
+                <a:solidFill>
+                  <a:srgbClr val="660033"/>
+                </a:solidFill>
+                <a:latin typeface="Microsoft JhengHei" panose="020B0604030504040204" pitchFamily="34" charset="-120"/>
+                <a:ea typeface="Microsoft JhengHei" panose="020B0604030504040204" pitchFamily="34" charset="-120"/>
+              </a:rPr>
+              <a:t> </a:t>
+            </a:r>
+            <a:r>
+              <a:rPr lang="en-US" sz="3600" b="1" dirty="0">
+                <a:solidFill>
+                  <a:srgbClr val="660033"/>
+                </a:solidFill>
+                <a:latin typeface="Microsoft JhengHei" panose="020B0604030504040204" pitchFamily="34" charset="-120"/>
+                <a:ea typeface="Microsoft JhengHei" panose="020B0604030504040204" pitchFamily="34" charset="-120"/>
+              </a:rPr>
+              <a:t>)</a:t>
+            </a:r>
+            <a:endParaRPr lang="vi-VN" sz="3600" b="1" dirty="0">
+              <a:solidFill>
+                <a:srgbClr val="660033"/>
+              </a:solidFill>
+              <a:ea typeface="Microsoft JhengHei" panose="020B0604030504040204" pitchFamily="34" charset="-120"/>
+            </a:endParaRPr>
+          </a:p>
+        </p:txBody>
+      </p:sp>
+    </p:spTree>
+    <p:extLst>
+      <p:ext uri="{BB962C8B-B14F-4D97-AF65-F5344CB8AC3E}">
+        <p14:creationId xmlns:p14="http://schemas.microsoft.com/office/powerpoint/2010/main" val="1162096122"/>
+      </p:ext>
+    </p:extLst>
+  </p:cSld>
+  <p:clrMapOvr>
+    <a:masterClrMapping/>
+  </p:clrMapOvr>
+</p:sld>
+</file>
+
+<file path=ppt/slides/slide12.xml><?xml version="1.0" encoding="utf-8"?>
+<p:sld xmlns:a="http://schemas.openxmlformats.org/drawingml/2006/main" xmlns:r="http://schemas.openxmlformats.org/officeDocument/2006/relationships" xmlns:p="http://schemas.openxmlformats.org/presentationml/2006/main">
+  <p:cSld>
+    <p:spTree>
+      <p:nvGrpSpPr>
+        <p:cNvPr id="1" name=""/>
+        <p:cNvGrpSpPr/>
+        <p:nvPr/>
+      </p:nvGrpSpPr>
+      <p:grpSpPr>
+        <a:xfrm>
+          <a:off x="0" y="0"/>
+          <a:ext cx="0" cy="0"/>
+          <a:chOff x="0" y="0"/>
+          <a:chExt cx="0" cy="0"/>
+        </a:xfrm>
+      </p:grpSpPr>
+      <p:sp>
+        <p:nvSpPr>
+          <p:cNvPr id="5" name="內容版面配置區 4"/>
+          <p:cNvSpPr>
+            <a:spLocks noGrp="1"/>
+          </p:cNvSpPr>
+          <p:nvPr>
+            <p:ph idx="1"/>
+          </p:nvPr>
+        </p:nvSpPr>
+        <p:spPr>
+          <a:xfrm>
+            <a:off x="0" y="2084851"/>
+            <a:ext cx="12192000" cy="2404863"/>
+          </a:xfrm>
+        </p:spPr>
+        <p:txBody>
+          <a:bodyPr anchor="ctr">
+            <a:normAutofit/>
+          </a:bodyPr>
+          <a:lstStyle/>
+          <a:p>
+            <a:pPr algn="ctr">
+              <a:buNone/>
+            </a:pPr>
+            <a:r>
+              <a:rPr lang="zh-TW" altLang="en-US" sz="6400" b="1" dirty="0">
+                <a:solidFill>
+                  <a:srgbClr val="660033"/>
+                </a:solidFill>
+                <a:latin typeface="微軟正黑體" pitchFamily="34" charset="-120"/>
+                <a:ea typeface="微軟正黑體" pitchFamily="34" charset="-120"/>
+              </a:rPr>
+              <a:t>大聲呼求  永不放棄</a:t>
+            </a:r>
+            <a:endParaRPr lang="en-US" altLang="zh-TW" sz="6400" b="1" dirty="0">
               <a:solidFill>
                 <a:srgbClr val="660033"/>
               </a:solidFill>
@@ -3258,20 +3567,282 @@
               <a:ea typeface="微軟正黑體" pitchFamily="34" charset="-120"/>
             </a:endParaRPr>
           </a:p>
+          <a:p>
+            <a:pPr algn="ctr">
+              <a:buNone/>
+            </a:pPr>
+            <a:r>
+              <a:rPr lang="zh-TW" altLang="en-US" sz="6400" b="1" dirty="0">
+                <a:solidFill>
+                  <a:srgbClr val="660033"/>
+                </a:solidFill>
+                <a:latin typeface="微軟正黑體" pitchFamily="34" charset="-120"/>
+                <a:ea typeface="微軟正黑體" pitchFamily="34" charset="-120"/>
+              </a:rPr>
+              <a:t>清晨夜晚  徹夜守望</a:t>
+            </a:r>
+            <a:endParaRPr lang="en-US" altLang="zh-TW" sz="6400" b="1" dirty="0">
+              <a:solidFill>
+                <a:srgbClr val="660033"/>
+              </a:solidFill>
+              <a:latin typeface="微軟正黑體" pitchFamily="34" charset="-120"/>
+              <a:ea typeface="微軟正黑體" pitchFamily="34" charset="-120"/>
+            </a:endParaRPr>
+          </a:p>
+        </p:txBody>
+      </p:sp>
+      <p:sp>
+        <p:nvSpPr>
+          <p:cNvPr id="3" name="TextBox 2"/>
+          <p:cNvSpPr txBox="1"/>
+          <p:nvPr/>
+        </p:nvSpPr>
+        <p:spPr>
+          <a:xfrm>
+            <a:off x="0" y="5157192"/>
+            <a:ext cx="12192000" cy="646331"/>
+          </a:xfrm>
+          <a:prstGeom prst="rect">
+            <a:avLst/>
+          </a:prstGeom>
+          <a:noFill/>
+        </p:spPr>
+        <p:txBody>
+          <a:bodyPr wrap="square" rtlCol="0">
+            <a:spAutoFit/>
+          </a:bodyPr>
+          <a:lstStyle/>
+          <a:p>
+            <a:pPr algn="ctr"/>
+            <a:r>
+              <a:rPr lang="en-US" sz="3600" b="1" dirty="0">
+                <a:solidFill>
+                  <a:srgbClr val="660033"/>
+                </a:solidFill>
+                <a:latin typeface="Microsoft JhengHei" panose="020B0604030504040204" pitchFamily="34" charset="-120"/>
+                <a:ea typeface="Microsoft JhengHei" panose="020B0604030504040204" pitchFamily="34" charset="-120"/>
+              </a:rPr>
+              <a:t>( </a:t>
+            </a:r>
+            <a:r>
+              <a:rPr lang="zh-CN" altLang="en-US" sz="3600" b="1" dirty="0" smtClean="0">
+                <a:solidFill>
+                  <a:srgbClr val="660033"/>
+                </a:solidFill>
+                <a:latin typeface="Microsoft JhengHei" panose="020B0604030504040204" pitchFamily="34" charset="-120"/>
+                <a:ea typeface="Microsoft JhengHei" panose="020B0604030504040204" pitchFamily="34" charset="-120"/>
+              </a:rPr>
+              <a:t>橋</a:t>
+            </a:r>
+            <a:r>
+              <a:rPr lang="en-US" sz="3600" b="1" dirty="0" smtClean="0">
+                <a:solidFill>
+                  <a:srgbClr val="660033"/>
+                </a:solidFill>
+                <a:latin typeface="Microsoft JhengHei" panose="020B0604030504040204" pitchFamily="34" charset="-120"/>
+                <a:ea typeface="Microsoft JhengHei" panose="020B0604030504040204" pitchFamily="34" charset="-120"/>
+              </a:rPr>
+              <a:t> </a:t>
+            </a:r>
+            <a:r>
+              <a:rPr lang="en-US" sz="3600" b="1" dirty="0">
+                <a:solidFill>
+                  <a:srgbClr val="660033"/>
+                </a:solidFill>
+                <a:latin typeface="Microsoft JhengHei" panose="020B0604030504040204" pitchFamily="34" charset="-120"/>
+                <a:ea typeface="Microsoft JhengHei" panose="020B0604030504040204" pitchFamily="34" charset="-120"/>
+              </a:rPr>
+              <a:t>)</a:t>
+            </a:r>
+            <a:endParaRPr lang="vi-VN" sz="3600" b="1" dirty="0">
+              <a:solidFill>
+                <a:srgbClr val="660033"/>
+              </a:solidFill>
+              <a:ea typeface="Microsoft JhengHei" panose="020B0604030504040204" pitchFamily="34" charset="-120"/>
+            </a:endParaRPr>
+          </a:p>
         </p:txBody>
       </p:sp>
     </p:spTree>
+    <p:extLst>
+      <p:ext uri="{BB962C8B-B14F-4D97-AF65-F5344CB8AC3E}">
+        <p14:creationId xmlns:p14="http://schemas.microsoft.com/office/powerpoint/2010/main" val="4239594337"/>
+      </p:ext>
+    </p:extLst>
   </p:cSld>
   <p:clrMapOvr>
     <a:masterClrMapping/>
   </p:clrMapOvr>
-  <p:timing>
-    <p:tnLst>
-      <p:par>
-        <p:cTn id="1" dur="indefinite" restart="never" nodeType="tmRoot"/>
-      </p:par>
-    </p:tnLst>
-  </p:timing>
+</p:sld>
+</file>
+
+<file path=ppt/slides/slide13.xml><?xml version="1.0" encoding="utf-8"?>
+<p:sld xmlns:a="http://schemas.openxmlformats.org/drawingml/2006/main" xmlns:r="http://schemas.openxmlformats.org/officeDocument/2006/relationships" xmlns:p="http://schemas.openxmlformats.org/presentationml/2006/main">
+  <p:cSld>
+    <p:spTree>
+      <p:nvGrpSpPr>
+        <p:cNvPr id="1" name=""/>
+        <p:cNvGrpSpPr/>
+        <p:nvPr/>
+      </p:nvGrpSpPr>
+      <p:grpSpPr>
+        <a:xfrm>
+          <a:off x="0" y="0"/>
+          <a:ext cx="0" cy="0"/>
+          <a:chOff x="0" y="0"/>
+          <a:chExt cx="0" cy="0"/>
+        </a:xfrm>
+      </p:grpSpPr>
+      <p:sp>
+        <p:nvSpPr>
+          <p:cNvPr id="5" name="內容版面配置區 4"/>
+          <p:cNvSpPr>
+            <a:spLocks noGrp="1"/>
+          </p:cNvSpPr>
+          <p:nvPr>
+            <p:ph idx="1"/>
+          </p:nvPr>
+        </p:nvSpPr>
+        <p:spPr>
+          <a:xfrm>
+            <a:off x="0" y="2084851"/>
+            <a:ext cx="12192000" cy="2404863"/>
+          </a:xfrm>
+        </p:spPr>
+        <p:txBody>
+          <a:bodyPr anchor="ctr">
+            <a:normAutofit/>
+          </a:bodyPr>
+          <a:lstStyle/>
+          <a:p>
+            <a:pPr algn="ctr">
+              <a:buNone/>
+            </a:pPr>
+            <a:r>
+              <a:rPr lang="zh-TW" altLang="en-US" sz="6400" b="1" dirty="0">
+                <a:solidFill>
+                  <a:srgbClr val="660033"/>
+                </a:solidFill>
+                <a:latin typeface="微軟正黑體" pitchFamily="34" charset="-120"/>
+                <a:ea typeface="微軟正黑體" pitchFamily="34" charset="-120"/>
+              </a:rPr>
+              <a:t>將</a:t>
+            </a:r>
+            <a:r>
+              <a:rPr lang="zh-TW" altLang="en-US" sz="6400" b="1" dirty="0">
+                <a:solidFill>
+                  <a:srgbClr val="660033"/>
+                </a:solidFill>
+                <a:latin typeface="微軟正黑體" pitchFamily="34" charset="-120"/>
+                <a:ea typeface="微軟正黑體" pitchFamily="34" charset="-120"/>
+              </a:rPr>
+              <a:t>祢</a:t>
+            </a:r>
+            <a:r>
+              <a:rPr lang="zh-TW" altLang="en-US" sz="6400" b="1" dirty="0">
+                <a:solidFill>
+                  <a:srgbClr val="660033"/>
+                </a:solidFill>
+                <a:latin typeface="微軟正黑體" pitchFamily="34" charset="-120"/>
+                <a:ea typeface="微軟正黑體" pitchFamily="34" charset="-120"/>
+              </a:rPr>
+              <a:t>心</a:t>
+            </a:r>
+            <a:r>
+              <a:rPr lang="zh-TW" altLang="en-US" sz="6400" b="1" dirty="0">
+                <a:solidFill>
+                  <a:srgbClr val="660033"/>
+                </a:solidFill>
+                <a:latin typeface="微軟正黑體" pitchFamily="34" charset="-120"/>
+                <a:ea typeface="微軟正黑體" pitchFamily="34" charset="-120"/>
+              </a:rPr>
+              <a:t>意釋放這世代</a:t>
+            </a:r>
+          </a:p>
+        </p:txBody>
+      </p:sp>
+      <p:sp>
+        <p:nvSpPr>
+          <p:cNvPr id="3" name="TextBox 2"/>
+          <p:cNvSpPr txBox="1"/>
+          <p:nvPr/>
+        </p:nvSpPr>
+        <p:spPr>
+          <a:xfrm>
+            <a:off x="0" y="5157192"/>
+            <a:ext cx="12192000" cy="646331"/>
+          </a:xfrm>
+          <a:prstGeom prst="rect">
+            <a:avLst/>
+          </a:prstGeom>
+          <a:noFill/>
+        </p:spPr>
+        <p:txBody>
+          <a:bodyPr wrap="square" rtlCol="0">
+            <a:spAutoFit/>
+          </a:bodyPr>
+          <a:lstStyle/>
+          <a:p>
+            <a:pPr algn="ctr"/>
+            <a:r>
+              <a:rPr lang="en-US" sz="3600" b="1" dirty="0">
+                <a:solidFill>
+                  <a:srgbClr val="660033"/>
+                </a:solidFill>
+                <a:latin typeface="Microsoft JhengHei" panose="020B0604030504040204" pitchFamily="34" charset="-120"/>
+                <a:ea typeface="Microsoft JhengHei" panose="020B0604030504040204" pitchFamily="34" charset="-120"/>
+              </a:rPr>
+              <a:t>( </a:t>
+            </a:r>
+            <a:r>
+              <a:rPr lang="zh-CN" altLang="en-US" sz="3600" b="1" dirty="0" smtClean="0">
+                <a:solidFill>
+                  <a:srgbClr val="660033"/>
+                </a:solidFill>
+                <a:latin typeface="Microsoft JhengHei" panose="020B0604030504040204" pitchFamily="34" charset="-120"/>
+                <a:ea typeface="Microsoft JhengHei" panose="020B0604030504040204" pitchFamily="34" charset="-120"/>
+              </a:rPr>
+              <a:t>橋</a:t>
+            </a:r>
+            <a:r>
+              <a:rPr lang="en-US" sz="3600" b="1" dirty="0" smtClean="0">
+                <a:solidFill>
+                  <a:srgbClr val="660033"/>
+                </a:solidFill>
+                <a:latin typeface="Microsoft JhengHei" panose="020B0604030504040204" pitchFamily="34" charset="-120"/>
+                <a:ea typeface="Microsoft JhengHei" panose="020B0604030504040204" pitchFamily="34" charset="-120"/>
+              </a:rPr>
+              <a:t> </a:t>
+            </a:r>
+            <a:r>
+              <a:rPr lang="en-US" sz="3600" b="1" dirty="0">
+                <a:solidFill>
+                  <a:srgbClr val="660033"/>
+                </a:solidFill>
+                <a:latin typeface="Microsoft JhengHei" panose="020B0604030504040204" pitchFamily="34" charset="-120"/>
+                <a:ea typeface="Microsoft JhengHei" panose="020B0604030504040204" pitchFamily="34" charset="-120"/>
+              </a:rPr>
+              <a:t>)</a:t>
+            </a:r>
+            <a:endParaRPr lang="vi-VN" sz="3600" b="1" dirty="0">
+              <a:solidFill>
+                <a:srgbClr val="660033"/>
+              </a:solidFill>
+              <a:ea typeface="Microsoft JhengHei" panose="020B0604030504040204" pitchFamily="34" charset="-120"/>
+            </a:endParaRPr>
+          </a:p>
+        </p:txBody>
+      </p:sp>
+    </p:spTree>
+    <p:extLst>
+      <p:ext uri="{BB962C8B-B14F-4D97-AF65-F5344CB8AC3E}">
+        <p14:creationId xmlns:p14="http://schemas.microsoft.com/office/powerpoint/2010/main" val="475977058"/>
+      </p:ext>
+    </p:extLst>
+  </p:cSld>
+  <p:clrMapOvr>
+    <a:masterClrMapping/>
+  </p:clrMapOvr>
 </p:sld>
 </file>
 
@@ -3294,108 +3865,60 @@
       </p:grpSpPr>
       <p:sp>
         <p:nvSpPr>
-          <p:cNvPr id="2" name="標題 1"/>
-          <p:cNvSpPr>
-            <a:spLocks noGrp="1"/>
-          </p:cNvSpPr>
-          <p:nvPr>
-            <p:ph type="title"/>
-          </p:nvPr>
-        </p:nvSpPr>
-        <p:spPr/>
-        <p:txBody>
-          <a:bodyPr/>
-          <a:lstStyle/>
-          <a:p>
-            <a:r>
-              <a:rPr lang="zh-TW" altLang="en-US" b="1" dirty="0">
+          <p:cNvPr id="5" name="內容版面配置區 4"/>
+          <p:cNvSpPr>
+            <a:spLocks noGrp="1"/>
+          </p:cNvSpPr>
+          <p:nvPr>
+            <p:ph idx="1"/>
+          </p:nvPr>
+        </p:nvSpPr>
+        <p:spPr>
+          <a:xfrm>
+            <a:off x="0" y="2084851"/>
+            <a:ext cx="12192000" cy="2404863"/>
+          </a:xfrm>
+        </p:spPr>
+        <p:txBody>
+          <a:bodyPr anchor="ctr">
+            <a:normAutofit/>
+          </a:bodyPr>
+          <a:lstStyle/>
+          <a:p>
+            <a:pPr algn="ctr">
+              <a:buNone/>
+            </a:pPr>
+            <a:r>
+              <a:rPr lang="zh-TW" altLang="en-US" sz="6400" b="1" dirty="0" smtClean="0">
                 <a:solidFill>
                   <a:srgbClr val="660033"/>
                 </a:solidFill>
                 <a:latin typeface="微軟正黑體" pitchFamily="34" charset="-120"/>
                 <a:ea typeface="微軟正黑體" pitchFamily="34" charset="-120"/>
               </a:rPr>
-              <a:t>禱告的大軍</a:t>
-            </a:r>
-          </a:p>
-        </p:txBody>
-      </p:sp>
-      <p:sp>
-        <p:nvSpPr>
-          <p:cNvPr id="3" name="內容版面配置區 2"/>
-          <p:cNvSpPr>
-            <a:spLocks noGrp="1"/>
-          </p:cNvSpPr>
-          <p:nvPr>
-            <p:ph idx="1"/>
-          </p:nvPr>
-        </p:nvSpPr>
-        <p:spPr>
-          <a:xfrm>
-            <a:off x="0" y="1600200"/>
-            <a:ext cx="9144000" cy="4525963"/>
-          </a:xfrm>
-        </p:spPr>
-        <p:txBody>
-          <a:bodyPr anchor="ctr">
-            <a:noAutofit/>
-          </a:bodyPr>
-          <a:lstStyle/>
-          <a:p>
-            <a:pPr algn="ctr">
-              <a:buNone/>
-            </a:pPr>
-            <a:r>
-              <a:rPr lang="zh-TW" altLang="en-US" sz="5400" b="1" dirty="0" smtClean="0">
+              <a:t>站</a:t>
+            </a:r>
+            <a:r>
+              <a:rPr lang="zh-TW" altLang="en-US" sz="6400" b="1" dirty="0">
                 <a:solidFill>
                   <a:srgbClr val="660033"/>
                 </a:solidFill>
                 <a:latin typeface="微軟正黑體" pitchFamily="34" charset="-120"/>
                 <a:ea typeface="微軟正黑體" pitchFamily="34" charset="-120"/>
               </a:rPr>
-              <a:t>我們</a:t>
-            </a:r>
-            <a:r>
-              <a:rPr lang="zh-TW" altLang="en-US" sz="5400" b="1" dirty="0">
+              <a:t>在破口</a:t>
+            </a:r>
+            <a:r>
+              <a:rPr lang="zh-TW" altLang="en-US" sz="6400" b="1" dirty="0" smtClean="0">
                 <a:solidFill>
                   <a:srgbClr val="660033"/>
                 </a:solidFill>
                 <a:latin typeface="微軟正黑體" pitchFamily="34" charset="-120"/>
                 <a:ea typeface="微軟正黑體" pitchFamily="34" charset="-120"/>
               </a:rPr>
-              <a:t>的呼</a:t>
-            </a:r>
-            <a:r>
-              <a:rPr lang="zh-TW" altLang="en-US" sz="5400" b="1" dirty="0" smtClean="0">
-                <a:solidFill>
-                  <a:srgbClr val="660033"/>
-                </a:solidFill>
-                <a:latin typeface="微軟正黑體" pitchFamily="34" charset="-120"/>
-                <a:ea typeface="微軟正黑體" pitchFamily="34" charset="-120"/>
-              </a:rPr>
-              <a:t>求  要</a:t>
-            </a:r>
-            <a:r>
-              <a:rPr lang="zh-TW" altLang="en-US" sz="5400" b="1" dirty="0">
-                <a:solidFill>
-                  <a:srgbClr val="660033"/>
-                </a:solidFill>
-                <a:latin typeface="微軟正黑體" pitchFamily="34" charset="-120"/>
-                <a:ea typeface="微軟正黑體" pitchFamily="34" charset="-120"/>
-              </a:rPr>
-              <a:t>震動這</a:t>
-            </a:r>
-            <a:r>
-              <a:rPr lang="zh-TW" altLang="en-US" sz="5400" b="1" dirty="0" smtClean="0">
-                <a:solidFill>
-                  <a:srgbClr val="660033"/>
-                </a:solidFill>
-                <a:latin typeface="微軟正黑體" pitchFamily="34" charset="-120"/>
-                <a:ea typeface="微軟正黑體" pitchFamily="34" charset="-120"/>
-              </a:rPr>
-              <a:t>世代</a:t>
-            </a:r>
-            <a:endParaRPr lang="en-US" altLang="zh-TW" sz="5400" b="1" dirty="0" smtClean="0">
+              <a:t>中</a:t>
+            </a:r>
+            <a:endParaRPr lang="en-US" altLang="zh-TW" sz="6400" b="1" dirty="0" smtClean="0">
               <a:solidFill>
                 <a:srgbClr val="660033"/>
               </a:solidFill>
@@ -3408,36 +3931,26 @@
               <a:buNone/>
             </a:pPr>
             <a:r>
-              <a:rPr lang="zh-TW" altLang="en-US" sz="5400" b="1" dirty="0" smtClean="0">
+              <a:rPr lang="zh-TW" altLang="en-US" sz="6400" b="1" dirty="0" smtClean="0">
                 <a:solidFill>
                   <a:srgbClr val="660033"/>
                 </a:solidFill>
                 <a:latin typeface="微軟正黑體" pitchFamily="34" charset="-120"/>
                 <a:ea typeface="微軟正黑體" pitchFamily="34" charset="-120"/>
               </a:rPr>
-              <a:t>靠著聖靈  禱告</a:t>
-            </a:r>
-            <a:r>
-              <a:rPr lang="zh-TW" altLang="en-US" sz="5400" b="1" dirty="0">
+              <a:t>為</a:t>
+            </a:r>
+            <a:r>
+              <a:rPr lang="zh-TW" altLang="en-US" sz="6400" b="1" dirty="0">
                 <a:solidFill>
                   <a:srgbClr val="660033"/>
                 </a:solidFill>
                 <a:latin typeface="微軟正黑體" pitchFamily="34" charset="-120"/>
                 <a:ea typeface="微軟正黑體" pitchFamily="34" charset="-120"/>
               </a:rPr>
-              <a:t>的</a:t>
-            </a:r>
-            <a:r>
-              <a:rPr lang="zh-TW" altLang="en-US" sz="5400" b="1" dirty="0" smtClean="0">
-                <a:solidFill>
-                  <a:srgbClr val="660033"/>
-                </a:solidFill>
-                <a:latin typeface="微軟正黑體" pitchFamily="34" charset="-120"/>
-                <a:ea typeface="微軟正黑體" pitchFamily="34" charset="-120"/>
-              </a:rPr>
-              <a:t>火</a:t>
-            </a:r>
-            <a:endParaRPr lang="en-US" altLang="zh-TW" sz="5400" b="1" dirty="0" smtClean="0">
+              <a:t>這世代呼求</a:t>
+            </a:r>
+            <a:endParaRPr lang="en-US" altLang="zh-TW" sz="6400" b="1" dirty="0">
               <a:solidFill>
                 <a:srgbClr val="660033"/>
               </a:solidFill>
@@ -3445,62 +3958,80 @@
               <a:ea typeface="微軟正黑體" pitchFamily="34" charset="-120"/>
             </a:endParaRPr>
           </a:p>
-          <a:p>
-            <a:pPr algn="ctr">
-              <a:buNone/>
-            </a:pPr>
-            <a:r>
-              <a:rPr lang="zh-TW" altLang="en-US" sz="5400" b="1" dirty="0" smtClean="0">
-                <a:solidFill>
-                  <a:srgbClr val="660033"/>
-                </a:solidFill>
-                <a:latin typeface="微軟正黑體" pitchFamily="34" charset="-120"/>
-                <a:ea typeface="微軟正黑體" pitchFamily="34" charset="-120"/>
-              </a:rPr>
-              <a:t>來</a:t>
-            </a:r>
-            <a:r>
-              <a:rPr lang="zh-TW" altLang="en-US" sz="5400" b="1" dirty="0">
-                <a:solidFill>
-                  <a:srgbClr val="660033"/>
-                </a:solidFill>
-                <a:latin typeface="微軟正黑體" pitchFamily="34" charset="-120"/>
-                <a:ea typeface="微軟正黑體" pitchFamily="34" charset="-120"/>
-              </a:rPr>
-              <a:t>焚燒</a:t>
-            </a:r>
-            <a:r>
-              <a:rPr lang="zh-TW" altLang="en-US" sz="5400" b="1" dirty="0" smtClean="0">
-                <a:solidFill>
-                  <a:srgbClr val="660033"/>
-                </a:solidFill>
-                <a:latin typeface="微軟正黑體" pitchFamily="34" charset="-120"/>
-                <a:ea typeface="微軟正黑體" pitchFamily="34" charset="-120"/>
-              </a:rPr>
-              <a:t>我們</a:t>
-            </a:r>
-            <a:endParaRPr lang="zh-TW" altLang="en-US" sz="5400" b="1" dirty="0">
+        </p:txBody>
+      </p:sp>
+      <p:sp>
+        <p:nvSpPr>
+          <p:cNvPr id="3" name="TextBox 2"/>
+          <p:cNvSpPr txBox="1"/>
+          <p:nvPr/>
+        </p:nvSpPr>
+        <p:spPr>
+          <a:xfrm>
+            <a:off x="0" y="5157192"/>
+            <a:ext cx="12192000" cy="646331"/>
+          </a:xfrm>
+          <a:prstGeom prst="rect">
+            <a:avLst/>
+          </a:prstGeom>
+          <a:noFill/>
+        </p:spPr>
+        <p:txBody>
+          <a:bodyPr wrap="square" rtlCol="0">
+            <a:spAutoFit/>
+          </a:bodyPr>
+          <a:lstStyle/>
+          <a:p>
+            <a:pPr algn="ctr"/>
+            <a:r>
+              <a:rPr lang="en-US" sz="3600" b="1" dirty="0">
+                <a:solidFill>
+                  <a:srgbClr val="660033"/>
+                </a:solidFill>
+                <a:latin typeface="Microsoft JhengHei" panose="020B0604030504040204" pitchFamily="34" charset="-120"/>
+                <a:ea typeface="Microsoft JhengHei" panose="020B0604030504040204" pitchFamily="34" charset="-120"/>
+              </a:rPr>
+              <a:t>( </a:t>
+            </a:r>
+            <a:r>
+              <a:rPr lang="zh-CN" altLang="en-US" sz="3600" b="1" dirty="0">
+                <a:solidFill>
+                  <a:srgbClr val="660033"/>
+                </a:solidFill>
+                <a:latin typeface="Microsoft JhengHei" panose="020B0604030504040204" pitchFamily="34" charset="-120"/>
+                <a:ea typeface="Microsoft JhengHei" panose="020B0604030504040204" pitchFamily="34" charset="-120"/>
+              </a:rPr>
+              <a:t>正</a:t>
+            </a:r>
+            <a:r>
+              <a:rPr lang="en-US" sz="3600" b="1" dirty="0">
+                <a:solidFill>
+                  <a:srgbClr val="660033"/>
+                </a:solidFill>
+                <a:latin typeface="Microsoft JhengHei" panose="020B0604030504040204" pitchFamily="34" charset="-120"/>
+                <a:ea typeface="Microsoft JhengHei" panose="020B0604030504040204" pitchFamily="34" charset="-120"/>
+              </a:rPr>
+              <a:t> )</a:t>
+            </a:r>
+            <a:endParaRPr lang="vi-VN" sz="3600" b="1" dirty="0">
               <a:solidFill>
                 <a:srgbClr val="660033"/>
               </a:solidFill>
-              <a:latin typeface="微軟正黑體" pitchFamily="34" charset="-120"/>
-              <a:ea typeface="微軟正黑體" pitchFamily="34" charset="-120"/>
+              <a:ea typeface="Microsoft JhengHei" panose="020B0604030504040204" pitchFamily="34" charset="-120"/>
             </a:endParaRPr>
           </a:p>
         </p:txBody>
       </p:sp>
     </p:spTree>
+    <p:extLst>
+      <p:ext uri="{BB962C8B-B14F-4D97-AF65-F5344CB8AC3E}">
+        <p14:creationId xmlns:p14="http://schemas.microsoft.com/office/powerpoint/2010/main" val="783481237"/>
+      </p:ext>
+    </p:extLst>
   </p:cSld>
   <p:clrMapOvr>
     <a:masterClrMapping/>
   </p:clrMapOvr>
-  <p:timing>
-    <p:tnLst>
-      <p:par>
-        <p:cTn id="1" dur="indefinite" restart="never" nodeType="tmRoot"/>
-      </p:par>
-    </p:tnLst>
-  </p:timing>
 </p:sld>
 </file>
 
@@ -3523,73 +4054,40 @@
       </p:grpSpPr>
       <p:sp>
         <p:nvSpPr>
-          <p:cNvPr id="2" name="標題 1"/>
-          <p:cNvSpPr>
-            <a:spLocks noGrp="1"/>
-          </p:cNvSpPr>
-          <p:nvPr>
-            <p:ph type="title"/>
-          </p:nvPr>
-        </p:nvSpPr>
-        <p:spPr/>
-        <p:txBody>
-          <a:bodyPr/>
-          <a:lstStyle/>
-          <a:p>
-            <a:r>
-              <a:rPr lang="zh-TW" altLang="en-US" b="1" dirty="0">
+          <p:cNvPr id="5" name="內容版面配置區 4"/>
+          <p:cNvSpPr>
+            <a:spLocks noGrp="1"/>
+          </p:cNvSpPr>
+          <p:nvPr>
+            <p:ph idx="1"/>
+          </p:nvPr>
+        </p:nvSpPr>
+        <p:spPr>
+          <a:xfrm>
+            <a:off x="0" y="2084851"/>
+            <a:ext cx="12192000" cy="2404863"/>
+          </a:xfrm>
+        </p:spPr>
+        <p:txBody>
+          <a:bodyPr anchor="ctr">
+            <a:normAutofit/>
+          </a:bodyPr>
+          <a:lstStyle/>
+          <a:p>
+            <a:pPr algn="ctr">
+              <a:buNone/>
+            </a:pPr>
+            <a:r>
+              <a:rPr lang="zh-TW" altLang="en-US" sz="6400" b="1" dirty="0">
                 <a:solidFill>
                   <a:srgbClr val="660033"/>
                 </a:solidFill>
                 <a:latin typeface="微軟正黑體" pitchFamily="34" charset="-120"/>
                 <a:ea typeface="微軟正黑體" pitchFamily="34" charset="-120"/>
               </a:rPr>
-              <a:t>禱告的大軍</a:t>
-            </a:r>
-          </a:p>
-        </p:txBody>
-      </p:sp>
-      <p:sp>
-        <p:nvSpPr>
-          <p:cNvPr id="3" name="內容版面配置區 2"/>
-          <p:cNvSpPr>
-            <a:spLocks noGrp="1"/>
-          </p:cNvSpPr>
-          <p:nvPr>
-            <p:ph idx="1"/>
-          </p:nvPr>
-        </p:nvSpPr>
-        <p:spPr/>
-        <p:txBody>
-          <a:bodyPr anchor="ctr">
-            <a:noAutofit/>
-          </a:bodyPr>
-          <a:lstStyle/>
-          <a:p>
-            <a:pPr algn="ctr">
-              <a:buNone/>
-            </a:pPr>
-            <a:r>
-              <a:rPr lang="zh-TW" altLang="en-US" sz="5400" b="1" dirty="0">
-                <a:solidFill>
-                  <a:srgbClr val="660033"/>
-                </a:solidFill>
-                <a:latin typeface="微軟正黑體" pitchFamily="34" charset="-120"/>
-                <a:ea typeface="微軟正黑體" pitchFamily="34" charset="-120"/>
-              </a:rPr>
-              <a:t>願你興起禱告的</a:t>
-            </a:r>
-            <a:r>
-              <a:rPr lang="zh-TW" altLang="en-US" sz="5400" b="1" dirty="0" smtClean="0">
-                <a:solidFill>
-                  <a:srgbClr val="660033"/>
-                </a:solidFill>
-                <a:latin typeface="微軟正黑體" pitchFamily="34" charset="-120"/>
-                <a:ea typeface="微軟正黑體" pitchFamily="34" charset="-120"/>
-              </a:rPr>
-              <a:t>大軍</a:t>
-            </a:r>
-            <a:endParaRPr lang="en-US" altLang="zh-TW" sz="5400" b="1" dirty="0" smtClean="0">
+              <a:t>流淚如何  傾心如水</a:t>
+            </a:r>
+            <a:endParaRPr lang="en-US" altLang="zh-TW" sz="6400" b="1" dirty="0">
               <a:solidFill>
                 <a:srgbClr val="660033"/>
               </a:solidFill>
@@ -3602,141 +4100,90 @@
               <a:buNone/>
             </a:pPr>
             <a:r>
-              <a:rPr lang="zh-TW" altLang="en-US" sz="5400" b="1" dirty="0" smtClean="0">
+              <a:rPr lang="zh-TW" altLang="en-US" sz="6400" b="1" dirty="0">
                 <a:solidFill>
                   <a:srgbClr val="660033"/>
                 </a:solidFill>
                 <a:latin typeface="微軟正黑體" pitchFamily="34" charset="-120"/>
                 <a:ea typeface="微軟正黑體" pitchFamily="34" charset="-120"/>
               </a:rPr>
-              <a:t>按</a:t>
-            </a:r>
-            <a:r>
-              <a:rPr lang="zh-TW" altLang="en-US" sz="5400" b="1" dirty="0">
-                <a:solidFill>
-                  <a:srgbClr val="660033"/>
-                </a:solidFill>
-                <a:latin typeface="微軟正黑體" pitchFamily="34" charset="-120"/>
-                <a:ea typeface="微軟正黑體" pitchFamily="34" charset="-120"/>
-              </a:rPr>
-              <a:t>著你心意舉手代</a:t>
-            </a:r>
-            <a:r>
-              <a:rPr lang="zh-TW" altLang="en-US" sz="5400" b="1" dirty="0" smtClean="0">
-                <a:solidFill>
-                  <a:srgbClr val="660033"/>
-                </a:solidFill>
-                <a:latin typeface="微軟正黑體" pitchFamily="34" charset="-120"/>
-                <a:ea typeface="微軟正黑體" pitchFamily="34" charset="-120"/>
-              </a:rPr>
-              <a:t>求</a:t>
-            </a:r>
-            <a:endParaRPr lang="en-US" altLang="zh-TW" sz="5400" b="1" dirty="0" smtClean="0">
+              <a:t>祈求不疲倦</a:t>
+            </a:r>
+          </a:p>
+        </p:txBody>
+      </p:sp>
+      <p:sp>
+        <p:nvSpPr>
+          <p:cNvPr id="3" name="TextBox 2"/>
+          <p:cNvSpPr txBox="1"/>
+          <p:nvPr/>
+        </p:nvSpPr>
+        <p:spPr>
+          <a:xfrm>
+            <a:off x="0" y="5157192"/>
+            <a:ext cx="12192000" cy="646331"/>
+          </a:xfrm>
+          <a:prstGeom prst="rect">
+            <a:avLst/>
+          </a:prstGeom>
+          <a:noFill/>
+        </p:spPr>
+        <p:txBody>
+          <a:bodyPr wrap="square" rtlCol="0">
+            <a:spAutoFit/>
+          </a:bodyPr>
+          <a:lstStyle/>
+          <a:p>
+            <a:pPr algn="ctr"/>
+            <a:r>
+              <a:rPr lang="en-US" sz="3600" b="1" dirty="0">
+                <a:solidFill>
+                  <a:srgbClr val="660033"/>
+                </a:solidFill>
+                <a:latin typeface="Microsoft JhengHei" panose="020B0604030504040204" pitchFamily="34" charset="-120"/>
+                <a:ea typeface="Microsoft JhengHei" panose="020B0604030504040204" pitchFamily="34" charset="-120"/>
+              </a:rPr>
+              <a:t>( </a:t>
+            </a:r>
+            <a:r>
+              <a:rPr lang="zh-CN" altLang="en-US" sz="3600" b="1" dirty="0">
+                <a:solidFill>
+                  <a:srgbClr val="660033"/>
+                </a:solidFill>
+                <a:latin typeface="Microsoft JhengHei" panose="020B0604030504040204" pitchFamily="34" charset="-120"/>
+                <a:ea typeface="Microsoft JhengHei" panose="020B0604030504040204" pitchFamily="34" charset="-120"/>
+              </a:rPr>
+              <a:t>正</a:t>
+            </a:r>
+            <a:r>
+              <a:rPr lang="en-US" sz="3600" b="1" dirty="0">
+                <a:solidFill>
+                  <a:srgbClr val="660033"/>
+                </a:solidFill>
+                <a:latin typeface="Microsoft JhengHei" panose="020B0604030504040204" pitchFamily="34" charset="-120"/>
+                <a:ea typeface="Microsoft JhengHei" panose="020B0604030504040204" pitchFamily="34" charset="-120"/>
+              </a:rPr>
+              <a:t> )</a:t>
+            </a:r>
+            <a:endParaRPr lang="vi-VN" sz="3600" b="1" dirty="0">
               <a:solidFill>
                 <a:srgbClr val="660033"/>
               </a:solidFill>
-              <a:latin typeface="微軟正黑體" pitchFamily="34" charset="-120"/>
-              <a:ea typeface="微軟正黑體" pitchFamily="34" charset="-120"/>
+              <a:ea typeface="Microsoft JhengHei" panose="020B0604030504040204" pitchFamily="34" charset="-120"/>
             </a:endParaRPr>
           </a:p>
-          <a:p>
-            <a:pPr algn="ctr">
-              <a:buNone/>
-            </a:pPr>
-            <a:r>
-              <a:rPr lang="zh-TW" altLang="en-US" sz="5400" b="1" dirty="0" smtClean="0">
-                <a:solidFill>
-                  <a:srgbClr val="660033"/>
-                </a:solidFill>
-                <a:latin typeface="微軟正黑體" pitchFamily="34" charset="-120"/>
-                <a:ea typeface="微軟正黑體" pitchFamily="34" charset="-120"/>
-              </a:rPr>
-              <a:t>站</a:t>
-            </a:r>
-            <a:r>
-              <a:rPr lang="zh-TW" altLang="en-US" sz="5400" b="1" dirty="0">
-                <a:solidFill>
-                  <a:srgbClr val="660033"/>
-                </a:solidFill>
-                <a:latin typeface="微軟正黑體" pitchFamily="34" charset="-120"/>
-                <a:ea typeface="微軟正黑體" pitchFamily="34" charset="-120"/>
-              </a:rPr>
-              <a:t>在你的應許</a:t>
-            </a:r>
-            <a:r>
-              <a:rPr lang="zh-TW" altLang="en-US" sz="5400" b="1" dirty="0" smtClean="0">
-                <a:solidFill>
-                  <a:srgbClr val="660033"/>
-                </a:solidFill>
-                <a:latin typeface="微軟正黑體" pitchFamily="34" charset="-120"/>
-                <a:ea typeface="微軟正黑體" pitchFamily="34" charset="-120"/>
-              </a:rPr>
-              <a:t>中</a:t>
-            </a:r>
-            <a:endParaRPr lang="en-US" altLang="zh-TW" sz="5400" b="1" dirty="0" smtClean="0">
-              <a:solidFill>
-                <a:srgbClr val="660033"/>
-              </a:solidFill>
-              <a:latin typeface="微軟正黑體" pitchFamily="34" charset="-120"/>
-              <a:ea typeface="微軟正黑體" pitchFamily="34" charset="-120"/>
-            </a:endParaRPr>
-          </a:p>
-          <a:p>
-            <a:pPr algn="ctr">
-              <a:buNone/>
-            </a:pPr>
-            <a:r>
-              <a:rPr lang="zh-TW" altLang="en-US" sz="5400" b="1" dirty="0" smtClean="0">
-                <a:solidFill>
-                  <a:srgbClr val="660033"/>
-                </a:solidFill>
-                <a:latin typeface="微軟正黑體" pitchFamily="34" charset="-120"/>
-                <a:ea typeface="微軟正黑體" pitchFamily="34" charset="-120"/>
-              </a:rPr>
-              <a:t>宣告</a:t>
-            </a:r>
-            <a:r>
-              <a:rPr lang="zh-TW" altLang="en-US" sz="5400" b="1" dirty="0">
-                <a:solidFill>
-                  <a:srgbClr val="660033"/>
-                </a:solidFill>
-                <a:latin typeface="微軟正黑體" pitchFamily="34" charset="-120"/>
-                <a:ea typeface="微軟正黑體" pitchFamily="34" charset="-120"/>
-              </a:rPr>
-              <a:t>你國度</a:t>
-            </a:r>
-            <a:r>
-              <a:rPr lang="zh-TW" altLang="en-US" sz="5400" b="1" dirty="0" smtClean="0">
-                <a:solidFill>
-                  <a:srgbClr val="660033"/>
-                </a:solidFill>
-                <a:latin typeface="微軟正黑體" pitchFamily="34" charset="-120"/>
-                <a:ea typeface="微軟正黑體" pitchFamily="34" charset="-120"/>
-              </a:rPr>
-              <a:t>降臨</a:t>
-            </a:r>
-            <a:endParaRPr lang="zh-TW" altLang="en-US" sz="5400" b="1" dirty="0">
-              <a:solidFill>
-                <a:srgbClr val="660033"/>
-              </a:solidFill>
-              <a:latin typeface="微軟正黑體" pitchFamily="34" charset="-120"/>
-              <a:ea typeface="微軟正黑體" pitchFamily="34" charset="-120"/>
-            </a:endParaRPr>
-          </a:p>
         </p:txBody>
       </p:sp>
     </p:spTree>
+    <p:extLst>
+      <p:ext uri="{BB962C8B-B14F-4D97-AF65-F5344CB8AC3E}">
+        <p14:creationId xmlns:p14="http://schemas.microsoft.com/office/powerpoint/2010/main" val="627246668"/>
+      </p:ext>
+    </p:extLst>
   </p:cSld>
   <p:clrMapOvr>
     <a:masterClrMapping/>
   </p:clrMapOvr>
-  <p:timing>
-    <p:tnLst>
-      <p:par>
-        <p:cTn id="1" dur="indefinite" restart="never" nodeType="tmRoot"/>
-      </p:par>
-    </p:tnLst>
-  </p:timing>
 </p:sld>
 </file>
 
@@ -3759,73 +4206,50 @@
       </p:grpSpPr>
       <p:sp>
         <p:nvSpPr>
-          <p:cNvPr id="2" name="標題 1"/>
-          <p:cNvSpPr>
-            <a:spLocks noGrp="1"/>
-          </p:cNvSpPr>
-          <p:nvPr>
-            <p:ph type="title"/>
-          </p:nvPr>
-        </p:nvSpPr>
-        <p:spPr/>
-        <p:txBody>
-          <a:bodyPr/>
-          <a:lstStyle/>
-          <a:p>
-            <a:r>
-              <a:rPr lang="zh-TW" altLang="en-US" b="1" dirty="0">
+          <p:cNvPr id="5" name="內容版面配置區 4"/>
+          <p:cNvSpPr>
+            <a:spLocks noGrp="1"/>
+          </p:cNvSpPr>
+          <p:nvPr>
+            <p:ph idx="1"/>
+          </p:nvPr>
+        </p:nvSpPr>
+        <p:spPr>
+          <a:xfrm>
+            <a:off x="0" y="2084851"/>
+            <a:ext cx="12192000" cy="2404863"/>
+          </a:xfrm>
+        </p:spPr>
+        <p:txBody>
+          <a:bodyPr anchor="ctr">
+            <a:normAutofit/>
+          </a:bodyPr>
+          <a:lstStyle/>
+          <a:p>
+            <a:pPr algn="ctr">
+              <a:buNone/>
+            </a:pPr>
+            <a:r>
+              <a:rPr lang="zh-TW" altLang="en-US" sz="6400" b="1" dirty="0">
                 <a:solidFill>
                   <a:srgbClr val="660033"/>
                 </a:solidFill>
                 <a:latin typeface="微軟正黑體" pitchFamily="34" charset="-120"/>
                 <a:ea typeface="微軟正黑體" pitchFamily="34" charset="-120"/>
               </a:rPr>
-              <a:t>禱告的大軍</a:t>
-            </a:r>
-          </a:p>
-        </p:txBody>
-      </p:sp>
-      <p:sp>
-        <p:nvSpPr>
-          <p:cNvPr id="3" name="內容版面配置區 2"/>
-          <p:cNvSpPr>
-            <a:spLocks noGrp="1"/>
-          </p:cNvSpPr>
-          <p:nvPr>
-            <p:ph idx="1"/>
-          </p:nvPr>
-        </p:nvSpPr>
-        <p:spPr/>
-        <p:txBody>
-          <a:bodyPr anchor="ctr">
-            <a:noAutofit/>
-          </a:bodyPr>
-          <a:lstStyle/>
-          <a:p>
-            <a:pPr algn="ctr">
-              <a:buNone/>
-            </a:pPr>
-            <a:r>
-              <a:rPr lang="zh-TW" altLang="en-US" sz="5400" b="1" dirty="0">
+              <a:t>我們的呼</a:t>
+            </a:r>
+            <a:r>
+              <a:rPr lang="zh-TW" altLang="en-US" sz="6400" b="1" dirty="0">
                 <a:solidFill>
                   <a:srgbClr val="660033"/>
                 </a:solidFill>
                 <a:latin typeface="微軟正黑體" pitchFamily="34" charset="-120"/>
                 <a:ea typeface="微軟正黑體" pitchFamily="34" charset="-120"/>
               </a:rPr>
-              <a:t>願你興起守望的</a:t>
-            </a:r>
-            <a:r>
-              <a:rPr lang="zh-TW" altLang="en-US" sz="5400" b="1" dirty="0" smtClean="0">
-                <a:solidFill>
-                  <a:srgbClr val="660033"/>
-                </a:solidFill>
-                <a:latin typeface="微軟正黑體" pitchFamily="34" charset="-120"/>
-                <a:ea typeface="微軟正黑體" pitchFamily="34" charset="-120"/>
-              </a:rPr>
-              <a:t>大軍</a:t>
-            </a:r>
-            <a:endParaRPr lang="en-US" altLang="zh-TW" sz="5400" b="1" dirty="0" smtClean="0">
+              <a:t>求</a:t>
+            </a:r>
+            <a:endParaRPr lang="en-US" altLang="zh-TW" sz="6400" b="1" dirty="0">
               <a:solidFill>
                 <a:srgbClr val="660033"/>
               </a:solidFill>
@@ -3838,36 +4262,26 @@
               <a:buNone/>
             </a:pPr>
             <a:r>
-              <a:rPr lang="zh-TW" altLang="en-US" sz="5400" b="1" dirty="0" smtClean="0">
+              <a:rPr lang="zh-TW" altLang="en-US" sz="6400" b="1" dirty="0">
                 <a:solidFill>
                   <a:srgbClr val="660033"/>
                 </a:solidFill>
                 <a:latin typeface="微軟正黑體" pitchFamily="34" charset="-120"/>
                 <a:ea typeface="微軟正黑體" pitchFamily="34" charset="-120"/>
               </a:rPr>
-              <a:t>帶</a:t>
-            </a:r>
-            <a:r>
-              <a:rPr lang="zh-TW" altLang="en-US" sz="5400" b="1" dirty="0">
+              <a:t>要</a:t>
+            </a:r>
+            <a:r>
+              <a:rPr lang="zh-TW" altLang="en-US" sz="6400" b="1" dirty="0">
                 <a:solidFill>
                   <a:srgbClr val="660033"/>
                 </a:solidFill>
                 <a:latin typeface="微軟正黑體" pitchFamily="34" charset="-120"/>
                 <a:ea typeface="微軟正黑體" pitchFamily="34" charset="-120"/>
               </a:rPr>
-              <a:t>著信心堅定抵擋</a:t>
-            </a:r>
-            <a:r>
-              <a:rPr lang="zh-TW" altLang="en-US" sz="5400" b="1" dirty="0" smtClean="0">
-                <a:solidFill>
-                  <a:srgbClr val="660033"/>
-                </a:solidFill>
-                <a:latin typeface="微軟正黑體" pitchFamily="34" charset="-120"/>
-                <a:ea typeface="微軟正黑體" pitchFamily="34" charset="-120"/>
-              </a:rPr>
-              <a:t>仇敵</a:t>
-            </a:r>
-            <a:endParaRPr lang="en-US" altLang="zh-TW" sz="5400" b="1" dirty="0" smtClean="0">
+              <a:t>震動這世代</a:t>
+            </a:r>
+            <a:endParaRPr lang="en-US" altLang="zh-TW" sz="6400" b="1" dirty="0">
               <a:solidFill>
                 <a:srgbClr val="660033"/>
               </a:solidFill>
@@ -3875,104 +4289,80 @@
               <a:ea typeface="微軟正黑體" pitchFamily="34" charset="-120"/>
             </a:endParaRPr>
           </a:p>
-          <a:p>
-            <a:pPr algn="ctr">
-              <a:buNone/>
-            </a:pPr>
-            <a:r>
-              <a:rPr lang="zh-TW" altLang="en-US" sz="5400" b="1" dirty="0" smtClean="0">
-                <a:solidFill>
-                  <a:srgbClr val="660033"/>
-                </a:solidFill>
-                <a:latin typeface="微軟正黑體" pitchFamily="34" charset="-120"/>
-                <a:ea typeface="微軟正黑體" pitchFamily="34" charset="-120"/>
-              </a:rPr>
-              <a:t>用</a:t>
-            </a:r>
-            <a:r>
-              <a:rPr lang="zh-TW" altLang="en-US" sz="5400" b="1" dirty="0">
-                <a:solidFill>
-                  <a:srgbClr val="660033"/>
-                </a:solidFill>
-                <a:latin typeface="微軟正黑體" pitchFamily="34" charset="-120"/>
-                <a:ea typeface="微軟正黑體" pitchFamily="34" charset="-120"/>
-              </a:rPr>
-              <a:t>你的話語爭</a:t>
-            </a:r>
-            <a:r>
-              <a:rPr lang="zh-TW" altLang="en-US" sz="5400" b="1" dirty="0" smtClean="0">
-                <a:solidFill>
-                  <a:srgbClr val="660033"/>
-                </a:solidFill>
-                <a:latin typeface="微軟正黑體" pitchFamily="34" charset="-120"/>
-                <a:ea typeface="微軟正黑體" pitchFamily="34" charset="-120"/>
-              </a:rPr>
-              <a:t>戰</a:t>
-            </a:r>
-            <a:endParaRPr lang="en-US" altLang="zh-TW" sz="5400" b="1" dirty="0" smtClean="0">
+        </p:txBody>
+      </p:sp>
+      <p:sp>
+        <p:nvSpPr>
+          <p:cNvPr id="3" name="TextBox 2"/>
+          <p:cNvSpPr txBox="1"/>
+          <p:nvPr/>
+        </p:nvSpPr>
+        <p:spPr>
+          <a:xfrm>
+            <a:off x="0" y="5157192"/>
+            <a:ext cx="12192000" cy="646331"/>
+          </a:xfrm>
+          <a:prstGeom prst="rect">
+            <a:avLst/>
+          </a:prstGeom>
+          <a:noFill/>
+        </p:spPr>
+        <p:txBody>
+          <a:bodyPr wrap="square" rtlCol="0">
+            <a:spAutoFit/>
+          </a:bodyPr>
+          <a:lstStyle/>
+          <a:p>
+            <a:pPr algn="ctr"/>
+            <a:r>
+              <a:rPr lang="en-US" sz="3600" b="1" dirty="0">
+                <a:solidFill>
+                  <a:srgbClr val="660033"/>
+                </a:solidFill>
+                <a:latin typeface="Microsoft JhengHei" panose="020B0604030504040204" pitchFamily="34" charset="-120"/>
+                <a:ea typeface="Microsoft JhengHei" panose="020B0604030504040204" pitchFamily="34" charset="-120"/>
+              </a:rPr>
+              <a:t>( </a:t>
+            </a:r>
+            <a:r>
+              <a:rPr lang="zh-CN" altLang="en-US" sz="3600" b="1" dirty="0">
+                <a:solidFill>
+                  <a:srgbClr val="660033"/>
+                </a:solidFill>
+                <a:latin typeface="Microsoft JhengHei" panose="020B0604030504040204" pitchFamily="34" charset="-120"/>
+                <a:ea typeface="Microsoft JhengHei" panose="020B0604030504040204" pitchFamily="34" charset="-120"/>
+              </a:rPr>
+              <a:t>正</a:t>
+            </a:r>
+            <a:r>
+              <a:rPr lang="en-US" sz="3600" b="1" dirty="0">
+                <a:solidFill>
+                  <a:srgbClr val="660033"/>
+                </a:solidFill>
+                <a:latin typeface="Microsoft JhengHei" panose="020B0604030504040204" pitchFamily="34" charset="-120"/>
+                <a:ea typeface="Microsoft JhengHei" panose="020B0604030504040204" pitchFamily="34" charset="-120"/>
+              </a:rPr>
+              <a:t> )</a:t>
+            </a:r>
+            <a:endParaRPr lang="vi-VN" sz="3600" b="1" dirty="0">
               <a:solidFill>
                 <a:srgbClr val="660033"/>
               </a:solidFill>
-              <a:latin typeface="微軟正黑體" pitchFamily="34" charset="-120"/>
-              <a:ea typeface="微軟正黑體" pitchFamily="34" charset="-120"/>
+              <a:ea typeface="Microsoft JhengHei" panose="020B0604030504040204" pitchFamily="34" charset="-120"/>
             </a:endParaRPr>
           </a:p>
-          <a:p>
-            <a:pPr algn="ctr">
-              <a:buNone/>
-            </a:pPr>
-            <a:r>
-              <a:rPr lang="zh-TW" altLang="en-US" sz="5400" b="1" dirty="0" smtClean="0">
-                <a:solidFill>
-                  <a:srgbClr val="660033"/>
-                </a:solidFill>
-                <a:latin typeface="微軟正黑體" pitchFamily="34" charset="-120"/>
-                <a:ea typeface="微軟正黑體" pitchFamily="34" charset="-120"/>
-              </a:rPr>
-              <a:t>宣告</a:t>
-            </a:r>
-            <a:r>
-              <a:rPr lang="zh-TW" altLang="en-US" sz="5400" b="1" dirty="0">
-                <a:solidFill>
-                  <a:srgbClr val="660033"/>
-                </a:solidFill>
-                <a:latin typeface="微軟正黑體" pitchFamily="34" charset="-120"/>
-                <a:ea typeface="微軟正黑體" pitchFamily="34" charset="-120"/>
-              </a:rPr>
-              <a:t>你國度</a:t>
-            </a:r>
-            <a:r>
-              <a:rPr lang="zh-TW" altLang="en-US" sz="5400" b="1" dirty="0" smtClean="0">
-                <a:solidFill>
-                  <a:srgbClr val="660033"/>
-                </a:solidFill>
-                <a:latin typeface="微軟正黑體" pitchFamily="34" charset="-120"/>
-                <a:ea typeface="微軟正黑體" pitchFamily="34" charset="-120"/>
-              </a:rPr>
-              <a:t>降臨</a:t>
-            </a:r>
-            <a:endParaRPr lang="zh-TW" altLang="en-US" sz="5400" b="1" dirty="0">
-              <a:solidFill>
-                <a:srgbClr val="660033"/>
-              </a:solidFill>
-              <a:latin typeface="微軟正黑體" pitchFamily="34" charset="-120"/>
-              <a:ea typeface="微軟正黑體" pitchFamily="34" charset="-120"/>
-            </a:endParaRPr>
-          </a:p>
         </p:txBody>
       </p:sp>
     </p:spTree>
+    <p:extLst>
+      <p:ext uri="{BB962C8B-B14F-4D97-AF65-F5344CB8AC3E}">
+        <p14:creationId xmlns:p14="http://schemas.microsoft.com/office/powerpoint/2010/main" val="1792121596"/>
+      </p:ext>
+    </p:extLst>
   </p:cSld>
   <p:clrMapOvr>
     <a:masterClrMapping/>
   </p:clrMapOvr>
-  <p:timing>
-    <p:tnLst>
-      <p:par>
-        <p:cTn id="1" dur="indefinite" restart="never" nodeType="tmRoot"/>
-      </p:par>
-    </p:tnLst>
-  </p:timing>
 </p:sld>
 </file>
 
@@ -3995,83 +4385,40 @@
       </p:grpSpPr>
       <p:sp>
         <p:nvSpPr>
-          <p:cNvPr id="2" name="標題 1"/>
-          <p:cNvSpPr>
-            <a:spLocks noGrp="1"/>
-          </p:cNvSpPr>
-          <p:nvPr>
-            <p:ph type="title"/>
-          </p:nvPr>
-        </p:nvSpPr>
-        <p:spPr/>
-        <p:txBody>
-          <a:bodyPr/>
-          <a:lstStyle/>
-          <a:p>
-            <a:r>
-              <a:rPr lang="zh-TW" altLang="en-US" b="1" dirty="0">
+          <p:cNvPr id="5" name="內容版面配置區 4"/>
+          <p:cNvSpPr>
+            <a:spLocks noGrp="1"/>
+          </p:cNvSpPr>
+          <p:nvPr>
+            <p:ph idx="1"/>
+          </p:nvPr>
+        </p:nvSpPr>
+        <p:spPr>
+          <a:xfrm>
+            <a:off x="0" y="2084851"/>
+            <a:ext cx="12192000" cy="2404863"/>
+          </a:xfrm>
+        </p:spPr>
+        <p:txBody>
+          <a:bodyPr anchor="ctr">
+            <a:normAutofit/>
+          </a:bodyPr>
+          <a:lstStyle/>
+          <a:p>
+            <a:pPr algn="ctr">
+              <a:buNone/>
+            </a:pPr>
+            <a:r>
+              <a:rPr lang="zh-TW" altLang="en-US" sz="6400" b="1" dirty="0">
                 <a:solidFill>
                   <a:srgbClr val="660033"/>
                 </a:solidFill>
                 <a:latin typeface="微軟正黑體" pitchFamily="34" charset="-120"/>
                 <a:ea typeface="微軟正黑體" pitchFamily="34" charset="-120"/>
               </a:rPr>
-              <a:t>禱告的大軍</a:t>
-            </a:r>
-          </a:p>
-        </p:txBody>
-      </p:sp>
-      <p:sp>
-        <p:nvSpPr>
-          <p:cNvPr id="3" name="內容版面配置區 2"/>
-          <p:cNvSpPr>
-            <a:spLocks noGrp="1"/>
-          </p:cNvSpPr>
-          <p:nvPr>
-            <p:ph idx="1"/>
-          </p:nvPr>
-        </p:nvSpPr>
-        <p:spPr/>
-        <p:txBody>
-          <a:bodyPr anchor="ctr">
-            <a:noAutofit/>
-          </a:bodyPr>
-          <a:lstStyle/>
-          <a:p>
-            <a:pPr algn="ctr">
-              <a:buNone/>
-            </a:pPr>
-            <a:r>
-              <a:rPr lang="zh-TW" altLang="en-US" sz="5400" b="1" dirty="0" smtClean="0">
-                <a:solidFill>
-                  <a:srgbClr val="660033"/>
-                </a:solidFill>
-                <a:latin typeface="微軟正黑體" pitchFamily="34" charset="-120"/>
-                <a:ea typeface="微軟正黑體" pitchFamily="34" charset="-120"/>
-              </a:rPr>
-              <a:t>大聲</a:t>
-            </a:r>
-            <a:r>
-              <a:rPr lang="zh-TW" altLang="en-US" sz="5400" b="1" dirty="0">
-                <a:solidFill>
-                  <a:srgbClr val="660033"/>
-                </a:solidFill>
-                <a:latin typeface="微軟正黑體" pitchFamily="34" charset="-120"/>
-                <a:ea typeface="微軟正黑體" pitchFamily="34" charset="-120"/>
-              </a:rPr>
-              <a:t>呼</a:t>
-            </a:r>
-            <a:r>
-              <a:rPr lang="zh-TW" altLang="en-US" sz="5400" b="1" dirty="0" smtClean="0">
-                <a:solidFill>
-                  <a:srgbClr val="660033"/>
-                </a:solidFill>
-                <a:latin typeface="微軟正黑體" pitchFamily="34" charset="-120"/>
-                <a:ea typeface="微軟正黑體" pitchFamily="34" charset="-120"/>
-              </a:rPr>
-              <a:t>求  永不放棄</a:t>
-            </a:r>
-            <a:endParaRPr lang="en-US" altLang="zh-TW" sz="5400" b="1" dirty="0" smtClean="0">
+              <a:t>靠著聖靈  禱告的火</a:t>
+            </a:r>
+            <a:endParaRPr lang="en-US" altLang="zh-TW" sz="6400" b="1" dirty="0">
               <a:solidFill>
                 <a:srgbClr val="660033"/>
               </a:solidFill>
@@ -4084,79 +4431,90 @@
               <a:buNone/>
             </a:pPr>
             <a:r>
-              <a:rPr lang="zh-TW" altLang="en-US" sz="5400" b="1" dirty="0" smtClean="0">
+              <a:rPr lang="zh-TW" altLang="en-US" sz="6400" b="1" dirty="0">
                 <a:solidFill>
                   <a:srgbClr val="660033"/>
                 </a:solidFill>
                 <a:latin typeface="微軟正黑體" pitchFamily="34" charset="-120"/>
                 <a:ea typeface="微軟正黑體" pitchFamily="34" charset="-120"/>
               </a:rPr>
-              <a:t>清晨夜晚  徹夜守望</a:t>
-            </a:r>
-            <a:endParaRPr lang="en-US" altLang="zh-TW" sz="5400" b="1" dirty="0" smtClean="0">
+              <a:t>來焚燒我們</a:t>
+            </a:r>
+          </a:p>
+        </p:txBody>
+      </p:sp>
+      <p:sp>
+        <p:nvSpPr>
+          <p:cNvPr id="3" name="TextBox 2"/>
+          <p:cNvSpPr txBox="1"/>
+          <p:nvPr/>
+        </p:nvSpPr>
+        <p:spPr>
+          <a:xfrm>
+            <a:off x="0" y="5157192"/>
+            <a:ext cx="12192000" cy="646331"/>
+          </a:xfrm>
+          <a:prstGeom prst="rect">
+            <a:avLst/>
+          </a:prstGeom>
+          <a:noFill/>
+        </p:spPr>
+        <p:txBody>
+          <a:bodyPr wrap="square" rtlCol="0">
+            <a:spAutoFit/>
+          </a:bodyPr>
+          <a:lstStyle/>
+          <a:p>
+            <a:pPr algn="ctr"/>
+            <a:r>
+              <a:rPr lang="en-US" sz="3600" b="1" dirty="0">
+                <a:solidFill>
+                  <a:srgbClr val="660033"/>
+                </a:solidFill>
+                <a:latin typeface="Microsoft JhengHei" panose="020B0604030504040204" pitchFamily="34" charset="-120"/>
+                <a:ea typeface="Microsoft JhengHei" panose="020B0604030504040204" pitchFamily="34" charset="-120"/>
+              </a:rPr>
+              <a:t>( </a:t>
+            </a:r>
+            <a:r>
+              <a:rPr lang="zh-CN" altLang="en-US" sz="3600" b="1" dirty="0">
+                <a:solidFill>
+                  <a:srgbClr val="660033"/>
+                </a:solidFill>
+                <a:latin typeface="Microsoft JhengHei" panose="020B0604030504040204" pitchFamily="34" charset="-120"/>
+                <a:ea typeface="Microsoft JhengHei" panose="020B0604030504040204" pitchFamily="34" charset="-120"/>
+              </a:rPr>
+              <a:t>正</a:t>
+            </a:r>
+            <a:r>
+              <a:rPr lang="en-US" sz="3600" b="1" dirty="0">
+                <a:solidFill>
+                  <a:srgbClr val="660033"/>
+                </a:solidFill>
+                <a:latin typeface="Microsoft JhengHei" panose="020B0604030504040204" pitchFamily="34" charset="-120"/>
+                <a:ea typeface="Microsoft JhengHei" panose="020B0604030504040204" pitchFamily="34" charset="-120"/>
+              </a:rPr>
+              <a:t> )</a:t>
+            </a:r>
+            <a:endParaRPr lang="vi-VN" sz="3600" b="1" dirty="0">
               <a:solidFill>
                 <a:srgbClr val="660033"/>
               </a:solidFill>
-              <a:latin typeface="微軟正黑體" pitchFamily="34" charset="-120"/>
-              <a:ea typeface="微軟正黑體" pitchFamily="34" charset="-120"/>
+              <a:ea typeface="Microsoft JhengHei" panose="020B0604030504040204" pitchFamily="34" charset="-120"/>
             </a:endParaRPr>
           </a:p>
-          <a:p>
-            <a:pPr algn="ctr">
-              <a:buNone/>
-            </a:pPr>
-            <a:r>
-              <a:rPr lang="zh-TW" altLang="en-US" sz="5400" b="1" dirty="0" smtClean="0">
-                <a:solidFill>
-                  <a:srgbClr val="660033"/>
-                </a:solidFill>
-                <a:latin typeface="微軟正黑體" pitchFamily="34" charset="-120"/>
-                <a:ea typeface="微軟正黑體" pitchFamily="34" charset="-120"/>
-              </a:rPr>
-              <a:t>向</a:t>
-            </a:r>
-            <a:r>
-              <a:rPr lang="zh-TW" altLang="en-US" sz="5400" b="1" dirty="0">
-                <a:solidFill>
-                  <a:srgbClr val="660033"/>
-                </a:solidFill>
-                <a:latin typeface="微軟正黑體" pitchFamily="34" charset="-120"/>
-                <a:ea typeface="微軟正黑體" pitchFamily="34" charset="-120"/>
-              </a:rPr>
-              <a:t>你求耶利米的</a:t>
-            </a:r>
-            <a:r>
-              <a:rPr lang="zh-TW" altLang="en-US" sz="5400" b="1" dirty="0" smtClean="0">
-                <a:solidFill>
-                  <a:srgbClr val="660033"/>
-                </a:solidFill>
-                <a:latin typeface="微軟正黑體" pitchFamily="34" charset="-120"/>
-                <a:ea typeface="微軟正黑體" pitchFamily="34" charset="-120"/>
-              </a:rPr>
-              <a:t>心</a:t>
-            </a:r>
-            <a:endParaRPr lang="zh-TW" altLang="en-US" sz="5400" b="1" dirty="0">
-              <a:solidFill>
-                <a:srgbClr val="660033"/>
-              </a:solidFill>
-              <a:latin typeface="微軟正黑體" pitchFamily="34" charset="-120"/>
-              <a:ea typeface="微軟正黑體" pitchFamily="34" charset="-120"/>
-            </a:endParaRPr>
-          </a:p>
         </p:txBody>
       </p:sp>
     </p:spTree>
+    <p:extLst>
+      <p:ext uri="{BB962C8B-B14F-4D97-AF65-F5344CB8AC3E}">
+        <p14:creationId xmlns:p14="http://schemas.microsoft.com/office/powerpoint/2010/main" val="2135361881"/>
+      </p:ext>
+    </p:extLst>
   </p:cSld>
   <p:clrMapOvr>
     <a:masterClrMapping/>
   </p:clrMapOvr>
-  <p:timing>
-    <p:tnLst>
-      <p:par>
-        <p:cTn id="1" dur="indefinite" restart="never" nodeType="tmRoot"/>
-      </p:par>
-    </p:tnLst>
-  </p:timing>
 </p:sld>
 </file>
 
@@ -4179,73 +4537,40 @@
       </p:grpSpPr>
       <p:sp>
         <p:nvSpPr>
-          <p:cNvPr id="2" name="標題 1"/>
-          <p:cNvSpPr>
-            <a:spLocks noGrp="1"/>
-          </p:cNvSpPr>
-          <p:nvPr>
-            <p:ph type="title"/>
-          </p:nvPr>
-        </p:nvSpPr>
-        <p:spPr/>
-        <p:txBody>
-          <a:bodyPr/>
-          <a:lstStyle/>
-          <a:p>
-            <a:r>
-              <a:rPr lang="zh-TW" altLang="en-US" b="1" dirty="0">
+          <p:cNvPr id="5" name="內容版面配置區 4"/>
+          <p:cNvSpPr>
+            <a:spLocks noGrp="1"/>
+          </p:cNvSpPr>
+          <p:nvPr>
+            <p:ph idx="1"/>
+          </p:nvPr>
+        </p:nvSpPr>
+        <p:spPr>
+          <a:xfrm>
+            <a:off x="0" y="2084851"/>
+            <a:ext cx="12192000" cy="2404863"/>
+          </a:xfrm>
+        </p:spPr>
+        <p:txBody>
+          <a:bodyPr anchor="ctr">
+            <a:normAutofit/>
+          </a:bodyPr>
+          <a:lstStyle/>
+          <a:p>
+            <a:pPr algn="ctr">
+              <a:buNone/>
+            </a:pPr>
+            <a:r>
+              <a:rPr lang="zh-TW" altLang="en-US" sz="6400" b="1" dirty="0">
                 <a:solidFill>
                   <a:srgbClr val="660033"/>
                 </a:solidFill>
                 <a:latin typeface="微軟正黑體" pitchFamily="34" charset="-120"/>
                 <a:ea typeface="微軟正黑體" pitchFamily="34" charset="-120"/>
               </a:rPr>
-              <a:t>禱告的大軍</a:t>
-            </a:r>
-          </a:p>
-        </p:txBody>
-      </p:sp>
-      <p:sp>
-        <p:nvSpPr>
-          <p:cNvPr id="3" name="內容版面配置區 2"/>
-          <p:cNvSpPr>
-            <a:spLocks noGrp="1"/>
-          </p:cNvSpPr>
-          <p:nvPr>
-            <p:ph idx="1"/>
-          </p:nvPr>
-        </p:nvSpPr>
-        <p:spPr/>
-        <p:txBody>
-          <a:bodyPr anchor="ctr">
-            <a:noAutofit/>
-          </a:bodyPr>
-          <a:lstStyle/>
-          <a:p>
-            <a:pPr algn="ctr">
-              <a:buNone/>
-            </a:pPr>
-            <a:r>
-              <a:rPr lang="zh-TW" altLang="en-US" sz="5400" b="1" dirty="0">
-                <a:solidFill>
-                  <a:srgbClr val="660033"/>
-                </a:solidFill>
-                <a:latin typeface="微軟正黑體" pitchFamily="34" charset="-120"/>
-                <a:ea typeface="微軟正黑體" pitchFamily="34" charset="-120"/>
-              </a:rPr>
-              <a:t>大聲呼</a:t>
-            </a:r>
-            <a:r>
-              <a:rPr lang="zh-TW" altLang="en-US" sz="5400" b="1" dirty="0" smtClean="0">
-                <a:solidFill>
-                  <a:srgbClr val="660033"/>
-                </a:solidFill>
-                <a:latin typeface="微軟正黑體" pitchFamily="34" charset="-120"/>
-                <a:ea typeface="微軟正黑體" pitchFamily="34" charset="-120"/>
-              </a:rPr>
-              <a:t>求  永不放棄</a:t>
-            </a:r>
-            <a:endParaRPr lang="en-US" altLang="zh-TW" sz="5400" b="1" dirty="0" smtClean="0">
+              <a:t>願祢興起禱告的大軍</a:t>
+            </a:r>
+            <a:endParaRPr lang="en-US" altLang="zh-TW" sz="6400" b="1" dirty="0">
               <a:solidFill>
                 <a:srgbClr val="660033"/>
               </a:solidFill>
@@ -4258,16 +4583,36 @@
               <a:buNone/>
             </a:pPr>
             <a:r>
-              <a:rPr lang="zh-TW" altLang="en-US" sz="5400" b="1" dirty="0" smtClean="0">
+              <a:rPr lang="zh-TW" altLang="en-US" sz="6400" b="1" dirty="0">
                 <a:solidFill>
                   <a:srgbClr val="660033"/>
                 </a:solidFill>
                 <a:latin typeface="微軟正黑體" pitchFamily="34" charset="-120"/>
                 <a:ea typeface="微軟正黑體" pitchFamily="34" charset="-120"/>
               </a:rPr>
-              <a:t>清晨夜晚  徹夜守望</a:t>
-            </a:r>
-            <a:endParaRPr lang="en-US" altLang="zh-TW" sz="5400" b="1" dirty="0" smtClean="0">
+              <a:t>按</a:t>
+            </a:r>
+            <a:r>
+              <a:rPr lang="zh-TW" altLang="en-US" sz="6400" b="1" dirty="0">
+                <a:solidFill>
+                  <a:srgbClr val="660033"/>
+                </a:solidFill>
+                <a:latin typeface="微軟正黑體" pitchFamily="34" charset="-120"/>
+                <a:ea typeface="微軟正黑體" pitchFamily="34" charset="-120"/>
+              </a:rPr>
+              <a:t>著祢心</a:t>
+            </a:r>
+            <a:r>
+              <a:rPr lang="zh-TW" altLang="en-US" sz="6400" b="1" dirty="0">
+                <a:solidFill>
+                  <a:srgbClr val="660033"/>
+                </a:solidFill>
+                <a:latin typeface="微軟正黑體" pitchFamily="34" charset="-120"/>
+                <a:ea typeface="微軟正黑體" pitchFamily="34" charset="-120"/>
+              </a:rPr>
+              <a:t>意舉手代求</a:t>
+            </a:r>
+            <a:endParaRPr lang="en-US" altLang="zh-TW" sz="6400" b="1" dirty="0">
               <a:solidFill>
                 <a:srgbClr val="660033"/>
               </a:solidFill>
@@ -4275,41 +4620,196 @@
               <a:ea typeface="微軟正黑體" pitchFamily="34" charset="-120"/>
             </a:endParaRPr>
           </a:p>
+        </p:txBody>
+      </p:sp>
+      <p:sp>
+        <p:nvSpPr>
+          <p:cNvPr id="3" name="TextBox 2"/>
+          <p:cNvSpPr txBox="1"/>
+          <p:nvPr/>
+        </p:nvSpPr>
+        <p:spPr>
+          <a:xfrm>
+            <a:off x="0" y="5157192"/>
+            <a:ext cx="12192000" cy="646331"/>
+          </a:xfrm>
+          <a:prstGeom prst="rect">
+            <a:avLst/>
+          </a:prstGeom>
+          <a:noFill/>
+        </p:spPr>
+        <p:txBody>
+          <a:bodyPr wrap="square" rtlCol="0">
+            <a:spAutoFit/>
+          </a:bodyPr>
+          <a:lstStyle/>
+          <a:p>
+            <a:pPr algn="ctr"/>
+            <a:r>
+              <a:rPr lang="en-US" sz="3600" b="1" dirty="0">
+                <a:solidFill>
+                  <a:srgbClr val="660033"/>
+                </a:solidFill>
+                <a:latin typeface="Microsoft JhengHei" panose="020B0604030504040204" pitchFamily="34" charset="-120"/>
+                <a:ea typeface="Microsoft JhengHei" panose="020B0604030504040204" pitchFamily="34" charset="-120"/>
+              </a:rPr>
+              <a:t>( </a:t>
+            </a:r>
+            <a:r>
+              <a:rPr lang="zh-CN" altLang="en-US" sz="3600" b="1" dirty="0" smtClean="0">
+                <a:solidFill>
+                  <a:srgbClr val="660033"/>
+                </a:solidFill>
+                <a:latin typeface="Microsoft JhengHei" panose="020B0604030504040204" pitchFamily="34" charset="-120"/>
+                <a:ea typeface="Microsoft JhengHei" panose="020B0604030504040204" pitchFamily="34" charset="-120"/>
+              </a:rPr>
+              <a:t>副 </a:t>
+            </a:r>
+            <a:r>
+              <a:rPr lang="en-US" altLang="zh-CN" sz="3600" b="1" dirty="0" smtClean="0">
+                <a:solidFill>
+                  <a:srgbClr val="660033"/>
+                </a:solidFill>
+                <a:latin typeface="Microsoft JhengHei" panose="020B0604030504040204" pitchFamily="34" charset="-120"/>
+                <a:ea typeface="Microsoft JhengHei" panose="020B0604030504040204" pitchFamily="34" charset="-120"/>
+              </a:rPr>
+              <a:t>1</a:t>
+            </a:r>
+            <a:r>
+              <a:rPr lang="en-US" sz="3600" b="1" dirty="0" smtClean="0">
+                <a:solidFill>
+                  <a:srgbClr val="660033"/>
+                </a:solidFill>
+                <a:latin typeface="Microsoft JhengHei" panose="020B0604030504040204" pitchFamily="34" charset="-120"/>
+                <a:ea typeface="Microsoft JhengHei" panose="020B0604030504040204" pitchFamily="34" charset="-120"/>
+              </a:rPr>
+              <a:t> </a:t>
+            </a:r>
+            <a:r>
+              <a:rPr lang="en-US" sz="3600" b="1" dirty="0">
+                <a:solidFill>
+                  <a:srgbClr val="660033"/>
+                </a:solidFill>
+                <a:latin typeface="Microsoft JhengHei" panose="020B0604030504040204" pitchFamily="34" charset="-120"/>
+                <a:ea typeface="Microsoft JhengHei" panose="020B0604030504040204" pitchFamily="34" charset="-120"/>
+              </a:rPr>
+              <a:t>)</a:t>
+            </a:r>
+            <a:endParaRPr lang="vi-VN" sz="3600" b="1" dirty="0">
+              <a:solidFill>
+                <a:srgbClr val="660033"/>
+              </a:solidFill>
+              <a:ea typeface="Microsoft JhengHei" panose="020B0604030504040204" pitchFamily="34" charset="-120"/>
+            </a:endParaRPr>
+          </a:p>
+        </p:txBody>
+      </p:sp>
+    </p:spTree>
+    <p:extLst>
+      <p:ext uri="{BB962C8B-B14F-4D97-AF65-F5344CB8AC3E}">
+        <p14:creationId xmlns:p14="http://schemas.microsoft.com/office/powerpoint/2010/main" val="3683833277"/>
+      </p:ext>
+    </p:extLst>
+  </p:cSld>
+  <p:clrMapOvr>
+    <a:masterClrMapping/>
+  </p:clrMapOvr>
+</p:sld>
+</file>
+
+<file path=ppt/slides/slide7.xml><?xml version="1.0" encoding="utf-8"?>
+<p:sld xmlns:a="http://schemas.openxmlformats.org/drawingml/2006/main" xmlns:r="http://schemas.openxmlformats.org/officeDocument/2006/relationships" xmlns:p="http://schemas.openxmlformats.org/presentationml/2006/main">
+  <p:cSld>
+    <p:spTree>
+      <p:nvGrpSpPr>
+        <p:cNvPr id="1" name=""/>
+        <p:cNvGrpSpPr/>
+        <p:nvPr/>
+      </p:nvGrpSpPr>
+      <p:grpSpPr>
+        <a:xfrm>
+          <a:off x="0" y="0"/>
+          <a:ext cx="0" cy="0"/>
+          <a:chOff x="0" y="0"/>
+          <a:chExt cx="0" cy="0"/>
+        </a:xfrm>
+      </p:grpSpPr>
+      <p:sp>
+        <p:nvSpPr>
+          <p:cNvPr id="5" name="內容版面配置區 4"/>
+          <p:cNvSpPr>
+            <a:spLocks noGrp="1"/>
+          </p:cNvSpPr>
+          <p:nvPr>
+            <p:ph idx="1"/>
+          </p:nvPr>
+        </p:nvSpPr>
+        <p:spPr>
+          <a:xfrm>
+            <a:off x="0" y="2084851"/>
+            <a:ext cx="12192000" cy="2404863"/>
+          </a:xfrm>
+        </p:spPr>
+        <p:txBody>
+          <a:bodyPr anchor="ctr">
+            <a:normAutofit/>
+          </a:bodyPr>
+          <a:lstStyle/>
           <a:p>
             <a:pPr algn="ctr">
               <a:buNone/>
             </a:pPr>
             <a:r>
-              <a:rPr lang="zh-TW" altLang="en-US" sz="5400" b="1" dirty="0" smtClean="0">
+              <a:rPr lang="zh-TW" altLang="en-US" sz="6400" b="1" dirty="0">
                 <a:solidFill>
                   <a:srgbClr val="660033"/>
                 </a:solidFill>
                 <a:latin typeface="微軟正黑體" pitchFamily="34" charset="-120"/>
                 <a:ea typeface="微軟正黑體" pitchFamily="34" charset="-120"/>
               </a:rPr>
-              <a:t>將</a:t>
-            </a:r>
-            <a:r>
-              <a:rPr lang="zh-TW" altLang="en-US" sz="5400" b="1" dirty="0">
+              <a:t>站</a:t>
+            </a:r>
+            <a:r>
+              <a:rPr lang="zh-TW" altLang="en-US" sz="6400" b="1" dirty="0">
                 <a:solidFill>
                   <a:srgbClr val="660033"/>
                 </a:solidFill>
                 <a:latin typeface="微軟正黑體" pitchFamily="34" charset="-120"/>
                 <a:ea typeface="微軟正黑體" pitchFamily="34" charset="-120"/>
               </a:rPr>
-              <a:t>你心意釋放這</a:t>
-            </a:r>
-            <a:r>
-              <a:rPr lang="zh-TW" altLang="en-US" sz="5400" b="1" dirty="0" smtClean="0">
+              <a:t>在</a:t>
+            </a:r>
+            <a:r>
+              <a:rPr lang="zh-TW" altLang="en-US" sz="6400" b="1" dirty="0">
                 <a:solidFill>
                   <a:srgbClr val="660033"/>
                 </a:solidFill>
                 <a:latin typeface="微軟正黑體" pitchFamily="34" charset="-120"/>
                 <a:ea typeface="微軟正黑體" pitchFamily="34" charset="-120"/>
               </a:rPr>
-              <a:t>世代</a:t>
-            </a:r>
-            <a:endParaRPr lang="zh-TW" altLang="en-US" sz="5400" b="1" dirty="0">
+              <a:t>祢</a:t>
+            </a:r>
+            <a:r>
+              <a:rPr lang="zh-TW" altLang="en-US" sz="6400" b="1" dirty="0">
+                <a:solidFill>
+                  <a:srgbClr val="660033"/>
+                </a:solidFill>
+                <a:latin typeface="微軟正黑體" pitchFamily="34" charset="-120"/>
+                <a:ea typeface="微軟正黑體" pitchFamily="34" charset="-120"/>
+              </a:rPr>
+              <a:t>的</a:t>
+            </a:r>
+            <a:r>
+              <a:rPr lang="zh-TW" altLang="en-US" sz="6400" b="1" dirty="0">
+                <a:solidFill>
+                  <a:srgbClr val="660033"/>
+                </a:solidFill>
+                <a:latin typeface="微軟正黑體" pitchFamily="34" charset="-120"/>
+                <a:ea typeface="微軟正黑體" pitchFamily="34" charset="-120"/>
+              </a:rPr>
+              <a:t>應許中</a:t>
+            </a:r>
+            <a:endParaRPr lang="en-US" altLang="zh-TW" sz="6400" b="1" dirty="0">
               <a:solidFill>
                 <a:srgbClr val="660033"/>
               </a:solidFill>
@@ -4317,20 +4817,606 @@
               <a:ea typeface="微軟正黑體" pitchFamily="34" charset="-120"/>
             </a:endParaRPr>
           </a:p>
+          <a:p>
+            <a:pPr algn="ctr">
+              <a:buNone/>
+            </a:pPr>
+            <a:r>
+              <a:rPr lang="zh-TW" altLang="en-US" sz="6400" b="1" dirty="0">
+                <a:solidFill>
+                  <a:srgbClr val="660033"/>
+                </a:solidFill>
+                <a:latin typeface="微軟正黑體" pitchFamily="34" charset="-120"/>
+                <a:ea typeface="微軟正黑體" pitchFamily="34" charset="-120"/>
+              </a:rPr>
+              <a:t>宣</a:t>
+            </a:r>
+            <a:r>
+              <a:rPr lang="zh-TW" altLang="en-US" sz="6400" b="1" dirty="0">
+                <a:solidFill>
+                  <a:srgbClr val="660033"/>
+                </a:solidFill>
+                <a:latin typeface="微軟正黑體" pitchFamily="34" charset="-120"/>
+                <a:ea typeface="微軟正黑體" pitchFamily="34" charset="-120"/>
+              </a:rPr>
+              <a:t>告</a:t>
+            </a:r>
+            <a:r>
+              <a:rPr lang="zh-TW" altLang="en-US" sz="6400" b="1" dirty="0">
+                <a:solidFill>
+                  <a:srgbClr val="660033"/>
+                </a:solidFill>
+                <a:latin typeface="微軟正黑體" pitchFamily="34" charset="-120"/>
+                <a:ea typeface="微軟正黑體" pitchFamily="34" charset="-120"/>
+              </a:rPr>
+              <a:t>祢</a:t>
+            </a:r>
+            <a:r>
+              <a:rPr lang="zh-TW" altLang="en-US" sz="6400" b="1" dirty="0">
+                <a:solidFill>
+                  <a:srgbClr val="660033"/>
+                </a:solidFill>
+                <a:latin typeface="微軟正黑體" pitchFamily="34" charset="-120"/>
+                <a:ea typeface="微軟正黑體" pitchFamily="34" charset="-120"/>
+              </a:rPr>
+              <a:t>國</a:t>
+            </a:r>
+            <a:r>
+              <a:rPr lang="zh-TW" altLang="en-US" sz="6400" b="1" dirty="0">
+                <a:solidFill>
+                  <a:srgbClr val="660033"/>
+                </a:solidFill>
+                <a:latin typeface="微軟正黑體" pitchFamily="34" charset="-120"/>
+                <a:ea typeface="微軟正黑體" pitchFamily="34" charset="-120"/>
+              </a:rPr>
+              <a:t>度降臨</a:t>
+            </a:r>
+          </a:p>
+        </p:txBody>
+      </p:sp>
+      <p:sp>
+        <p:nvSpPr>
+          <p:cNvPr id="3" name="TextBox 2"/>
+          <p:cNvSpPr txBox="1"/>
+          <p:nvPr/>
+        </p:nvSpPr>
+        <p:spPr>
+          <a:xfrm>
+            <a:off x="0" y="5157192"/>
+            <a:ext cx="12192000" cy="646331"/>
+          </a:xfrm>
+          <a:prstGeom prst="rect">
+            <a:avLst/>
+          </a:prstGeom>
+          <a:noFill/>
+        </p:spPr>
+        <p:txBody>
+          <a:bodyPr wrap="square" rtlCol="0">
+            <a:spAutoFit/>
+          </a:bodyPr>
+          <a:lstStyle/>
+          <a:p>
+            <a:pPr algn="ctr"/>
+            <a:r>
+              <a:rPr lang="en-US" sz="3600" b="1" dirty="0">
+                <a:solidFill>
+                  <a:srgbClr val="660033"/>
+                </a:solidFill>
+                <a:latin typeface="Microsoft JhengHei" panose="020B0604030504040204" pitchFamily="34" charset="-120"/>
+                <a:ea typeface="Microsoft JhengHei" panose="020B0604030504040204" pitchFamily="34" charset="-120"/>
+              </a:rPr>
+              <a:t>( </a:t>
+            </a:r>
+            <a:r>
+              <a:rPr lang="zh-CN" altLang="en-US" sz="3600" b="1" dirty="0">
+                <a:solidFill>
+                  <a:srgbClr val="660033"/>
+                </a:solidFill>
+                <a:latin typeface="Microsoft JhengHei" panose="020B0604030504040204" pitchFamily="34" charset="-120"/>
+                <a:ea typeface="Microsoft JhengHei" panose="020B0604030504040204" pitchFamily="34" charset="-120"/>
+              </a:rPr>
+              <a:t>副 </a:t>
+            </a:r>
+            <a:r>
+              <a:rPr lang="en-US" altLang="zh-CN" sz="3600" b="1" dirty="0">
+                <a:solidFill>
+                  <a:srgbClr val="660033"/>
+                </a:solidFill>
+                <a:latin typeface="Microsoft JhengHei" panose="020B0604030504040204" pitchFamily="34" charset="-120"/>
+                <a:ea typeface="Microsoft JhengHei" panose="020B0604030504040204" pitchFamily="34" charset="-120"/>
+              </a:rPr>
+              <a:t>1</a:t>
+            </a:r>
+            <a:r>
+              <a:rPr lang="en-US" sz="3600" b="1" dirty="0">
+                <a:solidFill>
+                  <a:srgbClr val="660033"/>
+                </a:solidFill>
+                <a:latin typeface="Microsoft JhengHei" panose="020B0604030504040204" pitchFamily="34" charset="-120"/>
+                <a:ea typeface="Microsoft JhengHei" panose="020B0604030504040204" pitchFamily="34" charset="-120"/>
+              </a:rPr>
+              <a:t> )</a:t>
+            </a:r>
+            <a:endParaRPr lang="vi-VN" sz="3600" b="1" dirty="0">
+              <a:solidFill>
+                <a:srgbClr val="660033"/>
+              </a:solidFill>
+              <a:ea typeface="Microsoft JhengHei" panose="020B0604030504040204" pitchFamily="34" charset="-120"/>
+            </a:endParaRPr>
+          </a:p>
         </p:txBody>
       </p:sp>
     </p:spTree>
+    <p:extLst>
+      <p:ext uri="{BB962C8B-B14F-4D97-AF65-F5344CB8AC3E}">
+        <p14:creationId xmlns:p14="http://schemas.microsoft.com/office/powerpoint/2010/main" val="1506137274"/>
+      </p:ext>
+    </p:extLst>
   </p:cSld>
   <p:clrMapOvr>
     <a:masterClrMapping/>
   </p:clrMapOvr>
-  <p:timing>
-    <p:tnLst>
-      <p:par>
-        <p:cTn id="1" dur="indefinite" restart="never" nodeType="tmRoot"/>
-      </p:par>
-    </p:tnLst>
-  </p:timing>
+</p:sld>
+</file>
+
+<file path=ppt/slides/slide8.xml><?xml version="1.0" encoding="utf-8"?>
+<p:sld xmlns:a="http://schemas.openxmlformats.org/drawingml/2006/main" xmlns:r="http://schemas.openxmlformats.org/officeDocument/2006/relationships" xmlns:p="http://schemas.openxmlformats.org/presentationml/2006/main">
+  <p:cSld>
+    <p:spTree>
+      <p:nvGrpSpPr>
+        <p:cNvPr id="1" name=""/>
+        <p:cNvGrpSpPr/>
+        <p:nvPr/>
+      </p:nvGrpSpPr>
+      <p:grpSpPr>
+        <a:xfrm>
+          <a:off x="0" y="0"/>
+          <a:ext cx="0" cy="0"/>
+          <a:chOff x="0" y="0"/>
+          <a:chExt cx="0" cy="0"/>
+        </a:xfrm>
+      </p:grpSpPr>
+      <p:sp>
+        <p:nvSpPr>
+          <p:cNvPr id="5" name="內容版面配置區 4"/>
+          <p:cNvSpPr>
+            <a:spLocks noGrp="1"/>
+          </p:cNvSpPr>
+          <p:nvPr>
+            <p:ph idx="1"/>
+          </p:nvPr>
+        </p:nvSpPr>
+        <p:spPr>
+          <a:xfrm>
+            <a:off x="0" y="2084851"/>
+            <a:ext cx="12192000" cy="2404863"/>
+          </a:xfrm>
+        </p:spPr>
+        <p:txBody>
+          <a:bodyPr anchor="ctr">
+            <a:normAutofit/>
+          </a:bodyPr>
+          <a:lstStyle/>
+          <a:p>
+            <a:pPr algn="ctr">
+              <a:buNone/>
+            </a:pPr>
+            <a:r>
+              <a:rPr lang="zh-TW" altLang="en-US" sz="6400" b="1" dirty="0">
+                <a:solidFill>
+                  <a:srgbClr val="660033"/>
+                </a:solidFill>
+                <a:latin typeface="微軟正黑體" pitchFamily="34" charset="-120"/>
+                <a:ea typeface="微軟正黑體" pitchFamily="34" charset="-120"/>
+              </a:rPr>
+              <a:t>願</a:t>
+            </a:r>
+            <a:r>
+              <a:rPr lang="zh-TW" altLang="en-US" sz="6400" b="1" dirty="0">
+                <a:solidFill>
+                  <a:srgbClr val="660033"/>
+                </a:solidFill>
+                <a:latin typeface="微軟正黑體" pitchFamily="34" charset="-120"/>
+                <a:ea typeface="微軟正黑體" pitchFamily="34" charset="-120"/>
+              </a:rPr>
+              <a:t>祢</a:t>
+            </a:r>
+            <a:r>
+              <a:rPr lang="zh-TW" altLang="en-US" sz="6400" b="1" dirty="0">
+                <a:solidFill>
+                  <a:srgbClr val="660033"/>
+                </a:solidFill>
+                <a:latin typeface="微軟正黑體" pitchFamily="34" charset="-120"/>
+                <a:ea typeface="微軟正黑體" pitchFamily="34" charset="-120"/>
+              </a:rPr>
+              <a:t>興</a:t>
+            </a:r>
+            <a:r>
+              <a:rPr lang="zh-TW" altLang="en-US" sz="6400" b="1" dirty="0">
+                <a:solidFill>
+                  <a:srgbClr val="660033"/>
+                </a:solidFill>
+                <a:latin typeface="微軟正黑體" pitchFamily="34" charset="-120"/>
+                <a:ea typeface="微軟正黑體" pitchFamily="34" charset="-120"/>
+              </a:rPr>
+              <a:t>起守望的大軍</a:t>
+            </a:r>
+            <a:endParaRPr lang="en-US" altLang="zh-TW" sz="6400" b="1" dirty="0">
+              <a:solidFill>
+                <a:srgbClr val="660033"/>
+              </a:solidFill>
+              <a:latin typeface="微軟正黑體" pitchFamily="34" charset="-120"/>
+              <a:ea typeface="微軟正黑體" pitchFamily="34" charset="-120"/>
+            </a:endParaRPr>
+          </a:p>
+          <a:p>
+            <a:pPr algn="ctr">
+              <a:buNone/>
+            </a:pPr>
+            <a:r>
+              <a:rPr lang="zh-TW" altLang="en-US" sz="6400" b="1" dirty="0">
+                <a:solidFill>
+                  <a:srgbClr val="660033"/>
+                </a:solidFill>
+                <a:latin typeface="微軟正黑體" pitchFamily="34" charset="-120"/>
+                <a:ea typeface="微軟正黑體" pitchFamily="34" charset="-120"/>
+              </a:rPr>
+              <a:t>帶信</a:t>
+            </a:r>
+            <a:r>
+              <a:rPr lang="zh-TW" altLang="en-US" sz="6400" b="1" dirty="0">
+                <a:solidFill>
+                  <a:srgbClr val="660033"/>
+                </a:solidFill>
+                <a:latin typeface="微軟正黑體" pitchFamily="34" charset="-120"/>
+                <a:ea typeface="微軟正黑體" pitchFamily="34" charset="-120"/>
+              </a:rPr>
+              <a:t>心堅定抵擋仇敵</a:t>
+            </a:r>
+            <a:endParaRPr lang="en-US" altLang="zh-TW" sz="6400" b="1" dirty="0">
+              <a:solidFill>
+                <a:srgbClr val="660033"/>
+              </a:solidFill>
+              <a:latin typeface="微軟正黑體" pitchFamily="34" charset="-120"/>
+              <a:ea typeface="微軟正黑體" pitchFamily="34" charset="-120"/>
+            </a:endParaRPr>
+          </a:p>
+        </p:txBody>
+      </p:sp>
+      <p:sp>
+        <p:nvSpPr>
+          <p:cNvPr id="3" name="TextBox 2"/>
+          <p:cNvSpPr txBox="1"/>
+          <p:nvPr/>
+        </p:nvSpPr>
+        <p:spPr>
+          <a:xfrm>
+            <a:off x="0" y="5157192"/>
+            <a:ext cx="12192000" cy="646331"/>
+          </a:xfrm>
+          <a:prstGeom prst="rect">
+            <a:avLst/>
+          </a:prstGeom>
+          <a:noFill/>
+        </p:spPr>
+        <p:txBody>
+          <a:bodyPr wrap="square" rtlCol="0">
+            <a:spAutoFit/>
+          </a:bodyPr>
+          <a:lstStyle/>
+          <a:p>
+            <a:pPr algn="ctr"/>
+            <a:r>
+              <a:rPr lang="en-US" sz="3600" b="1" dirty="0">
+                <a:solidFill>
+                  <a:srgbClr val="660033"/>
+                </a:solidFill>
+                <a:latin typeface="Microsoft JhengHei" panose="020B0604030504040204" pitchFamily="34" charset="-120"/>
+                <a:ea typeface="Microsoft JhengHei" panose="020B0604030504040204" pitchFamily="34" charset="-120"/>
+              </a:rPr>
+              <a:t>( </a:t>
+            </a:r>
+            <a:r>
+              <a:rPr lang="zh-CN" altLang="en-US" sz="3600" b="1" dirty="0">
+                <a:solidFill>
+                  <a:srgbClr val="660033"/>
+                </a:solidFill>
+                <a:latin typeface="Microsoft JhengHei" panose="020B0604030504040204" pitchFamily="34" charset="-120"/>
+                <a:ea typeface="Microsoft JhengHei" panose="020B0604030504040204" pitchFamily="34" charset="-120"/>
+              </a:rPr>
+              <a:t>副 </a:t>
+            </a:r>
+            <a:r>
+              <a:rPr lang="en-US" altLang="zh-CN" sz="3600" b="1" dirty="0" smtClean="0">
+                <a:solidFill>
+                  <a:srgbClr val="660033"/>
+                </a:solidFill>
+                <a:latin typeface="Microsoft JhengHei" panose="020B0604030504040204" pitchFamily="34" charset="-120"/>
+                <a:ea typeface="Microsoft JhengHei" panose="020B0604030504040204" pitchFamily="34" charset="-120"/>
+              </a:rPr>
+              <a:t>2</a:t>
+            </a:r>
+            <a:r>
+              <a:rPr lang="en-US" sz="3600" b="1" dirty="0" smtClean="0">
+                <a:solidFill>
+                  <a:srgbClr val="660033"/>
+                </a:solidFill>
+                <a:latin typeface="Microsoft JhengHei" panose="020B0604030504040204" pitchFamily="34" charset="-120"/>
+                <a:ea typeface="Microsoft JhengHei" panose="020B0604030504040204" pitchFamily="34" charset="-120"/>
+              </a:rPr>
+              <a:t> </a:t>
+            </a:r>
+            <a:r>
+              <a:rPr lang="en-US" sz="3600" b="1" dirty="0">
+                <a:solidFill>
+                  <a:srgbClr val="660033"/>
+                </a:solidFill>
+                <a:latin typeface="Microsoft JhengHei" panose="020B0604030504040204" pitchFamily="34" charset="-120"/>
+                <a:ea typeface="Microsoft JhengHei" panose="020B0604030504040204" pitchFamily="34" charset="-120"/>
+              </a:rPr>
+              <a:t>)</a:t>
+            </a:r>
+            <a:endParaRPr lang="vi-VN" sz="3600" b="1" dirty="0">
+              <a:solidFill>
+                <a:srgbClr val="660033"/>
+              </a:solidFill>
+              <a:ea typeface="Microsoft JhengHei" panose="020B0604030504040204" pitchFamily="34" charset="-120"/>
+            </a:endParaRPr>
+          </a:p>
+        </p:txBody>
+      </p:sp>
+    </p:spTree>
+    <p:extLst>
+      <p:ext uri="{BB962C8B-B14F-4D97-AF65-F5344CB8AC3E}">
+        <p14:creationId xmlns:p14="http://schemas.microsoft.com/office/powerpoint/2010/main" val="3820631724"/>
+      </p:ext>
+    </p:extLst>
+  </p:cSld>
+  <p:clrMapOvr>
+    <a:masterClrMapping/>
+  </p:clrMapOvr>
+</p:sld>
+</file>
+
+<file path=ppt/slides/slide9.xml><?xml version="1.0" encoding="utf-8"?>
+<p:sld xmlns:a="http://schemas.openxmlformats.org/drawingml/2006/main" xmlns:r="http://schemas.openxmlformats.org/officeDocument/2006/relationships" xmlns:p="http://schemas.openxmlformats.org/presentationml/2006/main">
+  <p:cSld>
+    <p:spTree>
+      <p:nvGrpSpPr>
+        <p:cNvPr id="1" name=""/>
+        <p:cNvGrpSpPr/>
+        <p:nvPr/>
+      </p:nvGrpSpPr>
+      <p:grpSpPr>
+        <a:xfrm>
+          <a:off x="0" y="0"/>
+          <a:ext cx="0" cy="0"/>
+          <a:chOff x="0" y="0"/>
+          <a:chExt cx="0" cy="0"/>
+        </a:xfrm>
+      </p:grpSpPr>
+      <p:sp>
+        <p:nvSpPr>
+          <p:cNvPr id="5" name="內容版面配置區 4"/>
+          <p:cNvSpPr>
+            <a:spLocks noGrp="1"/>
+          </p:cNvSpPr>
+          <p:nvPr>
+            <p:ph idx="1"/>
+          </p:nvPr>
+        </p:nvSpPr>
+        <p:spPr>
+          <a:xfrm>
+            <a:off x="0" y="2084851"/>
+            <a:ext cx="12192000" cy="2404863"/>
+          </a:xfrm>
+        </p:spPr>
+        <p:txBody>
+          <a:bodyPr anchor="ctr">
+            <a:normAutofit/>
+          </a:bodyPr>
+          <a:lstStyle/>
+          <a:p>
+            <a:pPr algn="ctr">
+              <a:buNone/>
+            </a:pPr>
+            <a:r>
+              <a:rPr lang="zh-TW" altLang="en-US" sz="6400" b="1" dirty="0">
+                <a:solidFill>
+                  <a:srgbClr val="660033"/>
+                </a:solidFill>
+                <a:latin typeface="微軟正黑體" pitchFamily="34" charset="-120"/>
+                <a:ea typeface="微軟正黑體" pitchFamily="34" charset="-120"/>
+              </a:rPr>
+              <a:t>用</a:t>
+            </a:r>
+            <a:r>
+              <a:rPr lang="zh-TW" altLang="en-US" sz="6400" b="1" dirty="0">
+                <a:solidFill>
+                  <a:srgbClr val="660033"/>
+                </a:solidFill>
+                <a:latin typeface="微軟正黑體" pitchFamily="34" charset="-120"/>
+                <a:ea typeface="微軟正黑體" pitchFamily="34" charset="-120"/>
+              </a:rPr>
+              <a:t>祢</a:t>
+            </a:r>
+            <a:r>
+              <a:rPr lang="zh-TW" altLang="en-US" sz="6400" b="1" dirty="0">
+                <a:solidFill>
+                  <a:srgbClr val="660033"/>
+                </a:solidFill>
+                <a:latin typeface="微軟正黑體" pitchFamily="34" charset="-120"/>
+                <a:ea typeface="微軟正黑體" pitchFamily="34" charset="-120"/>
+              </a:rPr>
+              <a:t>的</a:t>
+            </a:r>
+            <a:r>
+              <a:rPr lang="zh-TW" altLang="en-US" sz="6400" b="1" dirty="0">
+                <a:solidFill>
+                  <a:srgbClr val="660033"/>
+                </a:solidFill>
+                <a:latin typeface="微軟正黑體" pitchFamily="34" charset="-120"/>
+                <a:ea typeface="微軟正黑體" pitchFamily="34" charset="-120"/>
+              </a:rPr>
+              <a:t>話語爭戰</a:t>
+            </a:r>
+            <a:endParaRPr lang="en-US" altLang="zh-TW" sz="6400" b="1" dirty="0">
+              <a:solidFill>
+                <a:srgbClr val="660033"/>
+              </a:solidFill>
+              <a:latin typeface="微軟正黑體" pitchFamily="34" charset="-120"/>
+              <a:ea typeface="微軟正黑體" pitchFamily="34" charset="-120"/>
+            </a:endParaRPr>
+          </a:p>
+          <a:p>
+            <a:pPr algn="ctr">
+              <a:buNone/>
+            </a:pPr>
+            <a:r>
+              <a:rPr lang="zh-TW" altLang="en-US" sz="6400" b="1" dirty="0">
+                <a:solidFill>
+                  <a:srgbClr val="660033"/>
+                </a:solidFill>
+                <a:latin typeface="微軟正黑體" pitchFamily="34" charset="-120"/>
+                <a:ea typeface="微軟正黑體" pitchFamily="34" charset="-120"/>
+              </a:rPr>
+              <a:t>宣</a:t>
+            </a:r>
+            <a:r>
+              <a:rPr lang="zh-TW" altLang="en-US" sz="6400" b="1" dirty="0">
+                <a:solidFill>
+                  <a:srgbClr val="660033"/>
+                </a:solidFill>
+                <a:latin typeface="微軟正黑體" pitchFamily="34" charset="-120"/>
+                <a:ea typeface="微軟正黑體" pitchFamily="34" charset="-120"/>
+              </a:rPr>
+              <a:t>告</a:t>
+            </a:r>
+            <a:r>
+              <a:rPr lang="zh-TW" altLang="en-US" sz="6400" b="1" dirty="0">
+                <a:solidFill>
+                  <a:srgbClr val="660033"/>
+                </a:solidFill>
+                <a:latin typeface="微軟正黑體" pitchFamily="34" charset="-120"/>
+                <a:ea typeface="微軟正黑體" pitchFamily="34" charset="-120"/>
+              </a:rPr>
+              <a:t>祢</a:t>
+            </a:r>
+            <a:r>
+              <a:rPr lang="zh-TW" altLang="en-US" sz="6400" b="1" dirty="0">
+                <a:solidFill>
+                  <a:srgbClr val="660033"/>
+                </a:solidFill>
+                <a:latin typeface="微軟正黑體" pitchFamily="34" charset="-120"/>
+                <a:ea typeface="微軟正黑體" pitchFamily="34" charset="-120"/>
+              </a:rPr>
+              <a:t>國</a:t>
+            </a:r>
+            <a:r>
+              <a:rPr lang="zh-TW" altLang="en-US" sz="6400" b="1" dirty="0">
+                <a:solidFill>
+                  <a:srgbClr val="660033"/>
+                </a:solidFill>
+                <a:latin typeface="微軟正黑體" pitchFamily="34" charset="-120"/>
+                <a:ea typeface="微軟正黑體" pitchFamily="34" charset="-120"/>
+              </a:rPr>
+              <a:t>度降臨</a:t>
+            </a:r>
+          </a:p>
+        </p:txBody>
+      </p:sp>
+      <p:sp>
+        <p:nvSpPr>
+          <p:cNvPr id="3" name="TextBox 2"/>
+          <p:cNvSpPr txBox="1"/>
+          <p:nvPr/>
+        </p:nvSpPr>
+        <p:spPr>
+          <a:xfrm>
+            <a:off x="0" y="5157192"/>
+            <a:ext cx="12192000" cy="646331"/>
+          </a:xfrm>
+          <a:prstGeom prst="rect">
+            <a:avLst/>
+          </a:prstGeom>
+          <a:noFill/>
+        </p:spPr>
+        <p:txBody>
+          <a:bodyPr wrap="square" rtlCol="0">
+            <a:spAutoFit/>
+          </a:bodyPr>
+          <a:lstStyle/>
+          <a:p>
+            <a:pPr algn="ctr"/>
+            <a:r>
+              <a:rPr lang="en-US" sz="3600" b="1" dirty="0">
+                <a:solidFill>
+                  <a:srgbClr val="660033"/>
+                </a:solidFill>
+                <a:latin typeface="Microsoft JhengHei" panose="020B0604030504040204" pitchFamily="34" charset="-120"/>
+                <a:ea typeface="Microsoft JhengHei" panose="020B0604030504040204" pitchFamily="34" charset="-120"/>
+              </a:rPr>
+              <a:t>( </a:t>
+            </a:r>
+            <a:r>
+              <a:rPr lang="zh-CN" altLang="en-US" sz="3600" b="1" dirty="0">
+                <a:solidFill>
+                  <a:srgbClr val="660033"/>
+                </a:solidFill>
+                <a:latin typeface="Microsoft JhengHei" panose="020B0604030504040204" pitchFamily="34" charset="-120"/>
+                <a:ea typeface="Microsoft JhengHei" panose="020B0604030504040204" pitchFamily="34" charset="-120"/>
+              </a:rPr>
+              <a:t>副 </a:t>
+            </a:r>
+            <a:r>
+              <a:rPr lang="en-US" altLang="zh-CN" sz="3600" b="1" dirty="0" smtClean="0">
+                <a:solidFill>
+                  <a:srgbClr val="660033"/>
+                </a:solidFill>
+                <a:latin typeface="Microsoft JhengHei" panose="020B0604030504040204" pitchFamily="34" charset="-120"/>
+                <a:ea typeface="Microsoft JhengHei" panose="020B0604030504040204" pitchFamily="34" charset="-120"/>
+              </a:rPr>
+              <a:t>2</a:t>
+            </a:r>
+            <a:r>
+              <a:rPr lang="en-US" sz="3600" b="1" dirty="0" smtClean="0">
+                <a:solidFill>
+                  <a:srgbClr val="660033"/>
+                </a:solidFill>
+                <a:latin typeface="Microsoft JhengHei" panose="020B0604030504040204" pitchFamily="34" charset="-120"/>
+                <a:ea typeface="Microsoft JhengHei" panose="020B0604030504040204" pitchFamily="34" charset="-120"/>
+              </a:rPr>
+              <a:t> </a:t>
+            </a:r>
+            <a:r>
+              <a:rPr lang="en-US" sz="3600" b="1" dirty="0">
+                <a:solidFill>
+                  <a:srgbClr val="660033"/>
+                </a:solidFill>
+                <a:latin typeface="Microsoft JhengHei" panose="020B0604030504040204" pitchFamily="34" charset="-120"/>
+                <a:ea typeface="Microsoft JhengHei" panose="020B0604030504040204" pitchFamily="34" charset="-120"/>
+              </a:rPr>
+              <a:t>)</a:t>
+            </a:r>
+            <a:endParaRPr lang="vi-VN" sz="3600" b="1" dirty="0">
+              <a:solidFill>
+                <a:srgbClr val="660033"/>
+              </a:solidFill>
+              <a:ea typeface="Microsoft JhengHei" panose="020B0604030504040204" pitchFamily="34" charset="-120"/>
+            </a:endParaRPr>
+          </a:p>
+        </p:txBody>
+      </p:sp>
+    </p:spTree>
+    <p:extLst>
+      <p:ext uri="{BB962C8B-B14F-4D97-AF65-F5344CB8AC3E}">
+        <p14:creationId xmlns:p14="http://schemas.microsoft.com/office/powerpoint/2010/main" val="1446805792"/>
+      </p:ext>
+    </p:extLst>
+  </p:cSld>
+  <p:clrMapOvr>
+    <a:masterClrMapping/>
+  </p:clrMapOvr>
 </p:sld>
 </file>
 
